--- a/media/architecture.pptx
+++ b/media/architecture.pptx
@@ -6,6 +6,7 @@
   </p:sldMasterIdLst>
   <p:sldIdLst>
     <p:sldId id="256" r:id="rId2"/>
+    <p:sldId id="257" r:id="rId3"/>
   </p:sldIdLst>
   <p:sldSz cx="12192000" cy="6858000"/>
   <p:notesSz cx="6858000" cy="9144000"/>
@@ -104,6 +105,11 @@
       </a:defRPr>
     </a:lvl9pPr>
   </p:defaultTextStyle>
+  <p:extLst>
+    <p:ext uri="{EFAFB233-063F-42B5-8137-9DF3F51BA10A}">
+      <p15:sldGuideLst xmlns:p15="http://schemas.microsoft.com/office/powerpoint/2012/main"/>
+    </p:ext>
+  </p:extLst>
 </p:presentation>
 </file>
 
@@ -254,7 +260,7 @@
           <a:p>
             <a:fld id="{7C229924-E8E9-4934-9990-4A18AA5434CB}" type="datetimeFigureOut">
               <a:rPr lang="en-US" smtClean="0"/>
-              <a:t>7/7/2021</a:t>
+              <a:t>7/8/2021</a:t>
             </a:fld>
             <a:endParaRPr lang="en-US"/>
           </a:p>
@@ -452,7 +458,7 @@
           <a:p>
             <a:fld id="{7C229924-E8E9-4934-9990-4A18AA5434CB}" type="datetimeFigureOut">
               <a:rPr lang="en-US" smtClean="0"/>
-              <a:t>7/7/2021</a:t>
+              <a:t>7/8/2021</a:t>
             </a:fld>
             <a:endParaRPr lang="en-US"/>
           </a:p>
@@ -660,7 +666,7 @@
           <a:p>
             <a:fld id="{7C229924-E8E9-4934-9990-4A18AA5434CB}" type="datetimeFigureOut">
               <a:rPr lang="en-US" smtClean="0"/>
-              <a:t>7/7/2021</a:t>
+              <a:t>7/8/2021</a:t>
             </a:fld>
             <a:endParaRPr lang="en-US"/>
           </a:p>
@@ -858,7 +864,7 @@
           <a:p>
             <a:fld id="{7C229924-E8E9-4934-9990-4A18AA5434CB}" type="datetimeFigureOut">
               <a:rPr lang="en-US" smtClean="0"/>
-              <a:t>7/7/2021</a:t>
+              <a:t>7/8/2021</a:t>
             </a:fld>
             <a:endParaRPr lang="en-US"/>
           </a:p>
@@ -1133,7 +1139,7 @@
           <a:p>
             <a:fld id="{7C229924-E8E9-4934-9990-4A18AA5434CB}" type="datetimeFigureOut">
               <a:rPr lang="en-US" smtClean="0"/>
-              <a:t>7/7/2021</a:t>
+              <a:t>7/8/2021</a:t>
             </a:fld>
             <a:endParaRPr lang="en-US"/>
           </a:p>
@@ -1398,7 +1404,7 @@
           <a:p>
             <a:fld id="{7C229924-E8E9-4934-9990-4A18AA5434CB}" type="datetimeFigureOut">
               <a:rPr lang="en-US" smtClean="0"/>
-              <a:t>7/7/2021</a:t>
+              <a:t>7/8/2021</a:t>
             </a:fld>
             <a:endParaRPr lang="en-US"/>
           </a:p>
@@ -1810,7 +1816,7 @@
           <a:p>
             <a:fld id="{7C229924-E8E9-4934-9990-4A18AA5434CB}" type="datetimeFigureOut">
               <a:rPr lang="en-US" smtClean="0"/>
-              <a:t>7/7/2021</a:t>
+              <a:t>7/8/2021</a:t>
             </a:fld>
             <a:endParaRPr lang="en-US"/>
           </a:p>
@@ -1951,7 +1957,7 @@
           <a:p>
             <a:fld id="{7C229924-E8E9-4934-9990-4A18AA5434CB}" type="datetimeFigureOut">
               <a:rPr lang="en-US" smtClean="0"/>
-              <a:t>7/7/2021</a:t>
+              <a:t>7/8/2021</a:t>
             </a:fld>
             <a:endParaRPr lang="en-US"/>
           </a:p>
@@ -2064,7 +2070,7 @@
           <a:p>
             <a:fld id="{7C229924-E8E9-4934-9990-4A18AA5434CB}" type="datetimeFigureOut">
               <a:rPr lang="en-US" smtClean="0"/>
-              <a:t>7/7/2021</a:t>
+              <a:t>7/8/2021</a:t>
             </a:fld>
             <a:endParaRPr lang="en-US"/>
           </a:p>
@@ -2375,7 +2381,7 @@
           <a:p>
             <a:fld id="{7C229924-E8E9-4934-9990-4A18AA5434CB}" type="datetimeFigureOut">
               <a:rPr lang="en-US" smtClean="0"/>
-              <a:t>7/7/2021</a:t>
+              <a:t>7/8/2021</a:t>
             </a:fld>
             <a:endParaRPr lang="en-US"/>
           </a:p>
@@ -2663,7 +2669,7 @@
           <a:p>
             <a:fld id="{7C229924-E8E9-4934-9990-4A18AA5434CB}" type="datetimeFigureOut">
               <a:rPr lang="en-US" smtClean="0"/>
-              <a:t>7/7/2021</a:t>
+              <a:t>7/8/2021</a:t>
             </a:fld>
             <a:endParaRPr lang="en-US"/>
           </a:p>
@@ -2904,7 +2910,7 @@
           <a:p>
             <a:fld id="{7C229924-E8E9-4934-9990-4A18AA5434CB}" type="datetimeFigureOut">
               <a:rPr lang="en-US" smtClean="0"/>
-              <a:t>7/7/2021</a:t>
+              <a:t>7/8/2021</a:t>
             </a:fld>
             <a:endParaRPr lang="en-US"/>
           </a:p>
@@ -8417,6 +8423,4714 @@
 </p:sld>
 </file>
 
+<file path=ppt/slides/slide2.xml><?xml version="1.0" encoding="utf-8"?>
+<p:sld xmlns:a="http://schemas.openxmlformats.org/drawingml/2006/main" xmlns:r="http://schemas.openxmlformats.org/officeDocument/2006/relationships" xmlns:p="http://schemas.openxmlformats.org/presentationml/2006/main">
+  <p:cSld>
+    <p:spTree>
+      <p:nvGrpSpPr>
+        <p:cNvPr id="1" name=""/>
+        <p:cNvGrpSpPr/>
+        <p:nvPr/>
+      </p:nvGrpSpPr>
+      <p:grpSpPr>
+        <a:xfrm>
+          <a:off x="0" y="0"/>
+          <a:ext cx="0" cy="0"/>
+          <a:chOff x="0" y="0"/>
+          <a:chExt cx="0" cy="0"/>
+        </a:xfrm>
+      </p:grpSpPr>
+      <p:pic>
+        <p:nvPicPr>
+          <p:cNvPr id="4" name="Graphic 3" descr="Cloud">
+            <a:extLst>
+              <a:ext uri="{FF2B5EF4-FFF2-40B4-BE49-F238E27FC236}">
+                <a16:creationId xmlns:a16="http://schemas.microsoft.com/office/drawing/2014/main" id="{B8CEDBEF-B1DC-46C1-8E14-EA00C96E38CA}"/>
+              </a:ext>
+            </a:extLst>
+          </p:cNvPr>
+          <p:cNvPicPr>
+            <a:picLocks noChangeAspect="1"/>
+          </p:cNvPicPr>
+          <p:nvPr/>
+        </p:nvPicPr>
+        <p:blipFill>
+          <a:blip r:embed="rId2">
+            <a:extLst>
+              <a:ext uri="{28A0092B-C50C-407E-A947-70E740481C1C}">
+                <a14:useLocalDpi xmlns:a14="http://schemas.microsoft.com/office/drawing/2010/main" val="0"/>
+              </a:ext>
+              <a:ext uri="{96DAC541-7B7A-43D3-8B79-37D633B846F1}">
+                <asvg:svgBlip xmlns:asvg="http://schemas.microsoft.com/office/drawing/2016/SVG/main" r:embed="rId3"/>
+              </a:ext>
+            </a:extLst>
+          </a:blip>
+          <a:stretch>
+            <a:fillRect/>
+          </a:stretch>
+        </p:blipFill>
+        <p:spPr>
+          <a:xfrm>
+            <a:off x="5541069" y="-661837"/>
+            <a:ext cx="7822644" cy="7822644"/>
+          </a:xfrm>
+          <a:prstGeom prst="rect">
+            <a:avLst/>
+          </a:prstGeom>
+        </p:spPr>
+      </p:pic>
+      <p:sp>
+        <p:nvSpPr>
+          <p:cNvPr id="5" name="Freeform 149">
+            <a:extLst>
+              <a:ext uri="{FF2B5EF4-FFF2-40B4-BE49-F238E27FC236}">
+                <a16:creationId xmlns:a16="http://schemas.microsoft.com/office/drawing/2014/main" id="{B3AD012F-4663-4CF9-81C9-7CC63EEE393A}"/>
+              </a:ext>
+            </a:extLst>
+          </p:cNvPr>
+          <p:cNvSpPr>
+            <a:spLocks noChangeAspect="1"/>
+          </p:cNvSpPr>
+          <p:nvPr/>
+        </p:nvSpPr>
+        <p:spPr bwMode="auto">
+          <a:xfrm rot="5280000">
+            <a:off x="6652433" y="3593206"/>
+            <a:ext cx="429917" cy="546668"/>
+          </a:xfrm>
+          <a:custGeom>
+            <a:avLst/>
+            <a:gdLst>
+              <a:gd name="connsiteX0" fmla="*/ 1704966 w 2556145"/>
+              <a:gd name="connsiteY0" fmla="*/ 3221586 h 3250307"/>
+              <a:gd name="connsiteX1" fmla="*/ 1719326 w 2556145"/>
+              <a:gd name="connsiteY1" fmla="*/ 2810357 h 3250307"/>
+              <a:gd name="connsiteX2" fmla="*/ 2130556 w 2556145"/>
+              <a:gd name="connsiteY2" fmla="*/ 2824717 h 3250307"/>
+              <a:gd name="connsiteX3" fmla="*/ 2144916 w 2556145"/>
+              <a:gd name="connsiteY3" fmla="*/ 2413488 h 3250307"/>
+              <a:gd name="connsiteX4" fmla="*/ 2556145 w 2556145"/>
+              <a:gd name="connsiteY4" fmla="*/ 2427849 h 3250307"/>
+              <a:gd name="connsiteX5" fmla="*/ 2527424 w 2556145"/>
+              <a:gd name="connsiteY5" fmla="*/ 3250307 h 3250307"/>
+              <a:gd name="connsiteX6" fmla="*/ 297522 w 2556145"/>
+              <a:gd name="connsiteY6" fmla="*/ 1966692 h 3250307"/>
+              <a:gd name="connsiteX7" fmla="*/ 542806 w 2556145"/>
+              <a:gd name="connsiteY7" fmla="*/ 1737961 h 3250307"/>
+              <a:gd name="connsiteX8" fmla="*/ 634409 w 2556145"/>
+              <a:gd name="connsiteY8" fmla="*/ 1759807 h 3250307"/>
+              <a:gd name="connsiteX9" fmla="*/ 675730 w 2556145"/>
+              <a:gd name="connsiteY9" fmla="*/ 1789816 h 3250307"/>
+              <a:gd name="connsiteX10" fmla="*/ 932915 w 2556145"/>
+              <a:gd name="connsiteY10" fmla="*/ 1504183 h 3250307"/>
+              <a:gd name="connsiteX11" fmla="*/ 882766 w 2556145"/>
+              <a:gd name="connsiteY11" fmla="*/ 1474652 h 3250307"/>
+              <a:gd name="connsiteX12" fmla="*/ 740661 w 2556145"/>
+              <a:gd name="connsiteY12" fmla="*/ 1183285 h 3250307"/>
+              <a:gd name="connsiteX13" fmla="*/ 1097679 w 2556145"/>
+              <a:gd name="connsiteY13" fmla="*/ 850360 h 3250307"/>
+              <a:gd name="connsiteX14" fmla="*/ 1378424 w 2556145"/>
+              <a:gd name="connsiteY14" fmla="*/ 1012444 h 3250307"/>
+              <a:gd name="connsiteX15" fmla="*/ 1388475 w 2556145"/>
+              <a:gd name="connsiteY15" fmla="*/ 1032609 h 3250307"/>
+              <a:gd name="connsiteX16" fmla="*/ 1627124 w 2556145"/>
+              <a:gd name="connsiteY16" fmla="*/ 877628 h 3250307"/>
+              <a:gd name="connsiteX17" fmla="*/ 1612998 w 2556145"/>
+              <a:gd name="connsiteY17" fmla="*/ 849286 h 3250307"/>
+              <a:gd name="connsiteX18" fmla="*/ 1597594 w 2556145"/>
+              <a:gd name="connsiteY18" fmla="*/ 756381 h 3250307"/>
+              <a:gd name="connsiteX19" fmla="*/ 1842878 w 2556145"/>
+              <a:gd name="connsiteY19" fmla="*/ 527650 h 3250307"/>
+              <a:gd name="connsiteX20" fmla="*/ 2071609 w 2556145"/>
+              <a:gd name="connsiteY20" fmla="*/ 772934 h 3250307"/>
+              <a:gd name="connsiteX21" fmla="*/ 1826325 w 2556145"/>
+              <a:gd name="connsiteY21" fmla="*/ 1001665 h 3250307"/>
+              <a:gd name="connsiteX22" fmla="*/ 1661160 w 2556145"/>
+              <a:gd name="connsiteY22" fmla="*/ 926395 h 3250307"/>
+              <a:gd name="connsiteX23" fmla="*/ 1652778 w 2556145"/>
+              <a:gd name="connsiteY23" fmla="*/ 915482 h 3250307"/>
+              <a:gd name="connsiteX24" fmla="*/ 1408687 w 2556145"/>
+              <a:gd name="connsiteY24" fmla="*/ 1073997 h 3250307"/>
+              <a:gd name="connsiteX25" fmla="*/ 1426024 w 2556145"/>
+              <a:gd name="connsiteY25" fmla="*/ 1137610 h 3250307"/>
+              <a:gd name="connsiteX26" fmla="*/ 1430605 w 2556145"/>
+              <a:gd name="connsiteY26" fmla="*/ 1207378 h 3250307"/>
+              <a:gd name="connsiteX27" fmla="*/ 1344167 w 2556145"/>
+              <a:gd name="connsiteY27" fmla="*/ 1424062 h 3250307"/>
+              <a:gd name="connsiteX28" fmla="*/ 1305485 w 2556145"/>
+              <a:gd name="connsiteY28" fmla="*/ 1455257 h 3250307"/>
+              <a:gd name="connsiteX29" fmla="*/ 1636897 w 2556145"/>
+              <a:gd name="connsiteY29" fmla="*/ 1798444 h 3250307"/>
+              <a:gd name="connsiteX30" fmla="*/ 1666484 w 2556145"/>
+              <a:gd name="connsiteY30" fmla="*/ 1779965 h 3250307"/>
+              <a:gd name="connsiteX31" fmla="*/ 1737903 w 2556145"/>
+              <a:gd name="connsiteY31" fmla="*/ 1768123 h 3250307"/>
+              <a:gd name="connsiteX32" fmla="*/ 1913738 w 2556145"/>
+              <a:gd name="connsiteY32" fmla="*/ 1956684 h 3250307"/>
+              <a:gd name="connsiteX33" fmla="*/ 1725178 w 2556145"/>
+              <a:gd name="connsiteY33" fmla="*/ 2132519 h 3250307"/>
+              <a:gd name="connsiteX34" fmla="*/ 1549343 w 2556145"/>
+              <a:gd name="connsiteY34" fmla="*/ 1943959 h 3250307"/>
+              <a:gd name="connsiteX35" fmla="*/ 1566137 w 2556145"/>
+              <a:gd name="connsiteY35" fmla="*/ 1873539 h 3250307"/>
+              <a:gd name="connsiteX36" fmla="*/ 1600357 w 2556145"/>
+              <a:gd name="connsiteY36" fmla="*/ 1826421 h 3250307"/>
+              <a:gd name="connsiteX37" fmla="*/ 1269754 w 2556145"/>
+              <a:gd name="connsiteY37" fmla="*/ 1484072 h 3250307"/>
+              <a:gd name="connsiteX38" fmla="*/ 1254211 w 2556145"/>
+              <a:gd name="connsiteY38" fmla="*/ 1496607 h 3250307"/>
+              <a:gd name="connsiteX39" fmla="*/ 1143355 w 2556145"/>
+              <a:gd name="connsiteY39" fmla="*/ 1535723 h 3250307"/>
+              <a:gd name="connsiteX40" fmla="*/ 1139752 w 2556145"/>
+              <a:gd name="connsiteY40" fmla="*/ 1535959 h 3250307"/>
+              <a:gd name="connsiteX41" fmla="*/ 1139752 w 2556145"/>
+              <a:gd name="connsiteY41" fmla="*/ 2625193 h 3250307"/>
+              <a:gd name="connsiteX42" fmla="*/ 1206000 w 2556145"/>
+              <a:gd name="connsiteY42" fmla="*/ 2640992 h 3250307"/>
+              <a:gd name="connsiteX43" fmla="*/ 1318225 w 2556145"/>
+              <a:gd name="connsiteY43" fmla="*/ 2823853 h 3250307"/>
+              <a:gd name="connsiteX44" fmla="*/ 1117485 w 2556145"/>
+              <a:gd name="connsiteY44" fmla="*/ 3011046 h 3250307"/>
+              <a:gd name="connsiteX45" fmla="*/ 930291 w 2556145"/>
+              <a:gd name="connsiteY45" fmla="*/ 2810306 h 3250307"/>
+              <a:gd name="connsiteX46" fmla="*/ 1054999 w 2556145"/>
+              <a:gd name="connsiteY46" fmla="*/ 2635719 h 3250307"/>
+              <a:gd name="connsiteX47" fmla="*/ 1094033 w 2556145"/>
+              <a:gd name="connsiteY47" fmla="*/ 2629247 h 3250307"/>
+              <a:gd name="connsiteX48" fmla="*/ 1094033 w 2556145"/>
+              <a:gd name="connsiteY48" fmla="*/ 1538961 h 3250307"/>
+              <a:gd name="connsiteX49" fmla="*/ 1073586 w 2556145"/>
+              <a:gd name="connsiteY49" fmla="*/ 1540303 h 3250307"/>
+              <a:gd name="connsiteX50" fmla="*/ 1004307 w 2556145"/>
+              <a:gd name="connsiteY50" fmla="*/ 1530867 h 3250307"/>
+              <a:gd name="connsiteX51" fmla="*/ 978517 w 2556145"/>
+              <a:gd name="connsiteY51" fmla="*/ 1521863 h 3250307"/>
+              <a:gd name="connsiteX52" fmla="*/ 711745 w 2556145"/>
+              <a:gd name="connsiteY52" fmla="*/ 1818144 h 3250307"/>
+              <a:gd name="connsiteX53" fmla="*/ 735687 w 2556145"/>
+              <a:gd name="connsiteY53" fmla="*/ 1849318 h 3250307"/>
+              <a:gd name="connsiteX54" fmla="*/ 771537 w 2556145"/>
+              <a:gd name="connsiteY54" fmla="*/ 1983245 h 3250307"/>
+              <a:gd name="connsiteX55" fmla="*/ 526253 w 2556145"/>
+              <a:gd name="connsiteY55" fmla="*/ 2211976 h 3250307"/>
+              <a:gd name="connsiteX56" fmla="*/ 297522 w 2556145"/>
+              <a:gd name="connsiteY56" fmla="*/ 1966692 h 3250307"/>
+              <a:gd name="connsiteX57" fmla="*/ 0 w 2556145"/>
+              <a:gd name="connsiteY57" fmla="*/ 822458 h 3250307"/>
+              <a:gd name="connsiteX58" fmla="*/ 28720 w 2556145"/>
+              <a:gd name="connsiteY58" fmla="*/ 0 h 3250307"/>
+              <a:gd name="connsiteX59" fmla="*/ 851179 w 2556145"/>
+              <a:gd name="connsiteY59" fmla="*/ 28721 h 3250307"/>
+              <a:gd name="connsiteX60" fmla="*/ 836819 w 2556145"/>
+              <a:gd name="connsiteY60" fmla="*/ 439950 h 3250307"/>
+              <a:gd name="connsiteX61" fmla="*/ 425589 w 2556145"/>
+              <a:gd name="connsiteY61" fmla="*/ 425590 h 3250307"/>
+              <a:gd name="connsiteX62" fmla="*/ 411229 w 2556145"/>
+              <a:gd name="connsiteY62" fmla="*/ 836819 h 3250307"/>
+            </a:gdLst>
+            <a:ahLst/>
+            <a:cxnLst>
+              <a:cxn ang="0">
+                <a:pos x="connsiteX0" y="connsiteY0"/>
+              </a:cxn>
+              <a:cxn ang="0">
+                <a:pos x="connsiteX1" y="connsiteY1"/>
+              </a:cxn>
+              <a:cxn ang="0">
+                <a:pos x="connsiteX2" y="connsiteY2"/>
+              </a:cxn>
+              <a:cxn ang="0">
+                <a:pos x="connsiteX3" y="connsiteY3"/>
+              </a:cxn>
+              <a:cxn ang="0">
+                <a:pos x="connsiteX4" y="connsiteY4"/>
+              </a:cxn>
+              <a:cxn ang="0">
+                <a:pos x="connsiteX5" y="connsiteY5"/>
+              </a:cxn>
+              <a:cxn ang="0">
+                <a:pos x="connsiteX6" y="connsiteY6"/>
+              </a:cxn>
+              <a:cxn ang="0">
+                <a:pos x="connsiteX7" y="connsiteY7"/>
+              </a:cxn>
+              <a:cxn ang="0">
+                <a:pos x="connsiteX8" y="connsiteY8"/>
+              </a:cxn>
+              <a:cxn ang="0">
+                <a:pos x="connsiteX9" y="connsiteY9"/>
+              </a:cxn>
+              <a:cxn ang="0">
+                <a:pos x="connsiteX10" y="connsiteY10"/>
+              </a:cxn>
+              <a:cxn ang="0">
+                <a:pos x="connsiteX11" y="connsiteY11"/>
+              </a:cxn>
+              <a:cxn ang="0">
+                <a:pos x="connsiteX12" y="connsiteY12"/>
+              </a:cxn>
+              <a:cxn ang="0">
+                <a:pos x="connsiteX13" y="connsiteY13"/>
+              </a:cxn>
+              <a:cxn ang="0">
+                <a:pos x="connsiteX14" y="connsiteY14"/>
+              </a:cxn>
+              <a:cxn ang="0">
+                <a:pos x="connsiteX15" y="connsiteY15"/>
+              </a:cxn>
+              <a:cxn ang="0">
+                <a:pos x="connsiteX16" y="connsiteY16"/>
+              </a:cxn>
+              <a:cxn ang="0">
+                <a:pos x="connsiteX17" y="connsiteY17"/>
+              </a:cxn>
+              <a:cxn ang="0">
+                <a:pos x="connsiteX18" y="connsiteY18"/>
+              </a:cxn>
+              <a:cxn ang="0">
+                <a:pos x="connsiteX19" y="connsiteY19"/>
+              </a:cxn>
+              <a:cxn ang="0">
+                <a:pos x="connsiteX20" y="connsiteY20"/>
+              </a:cxn>
+              <a:cxn ang="0">
+                <a:pos x="connsiteX21" y="connsiteY21"/>
+              </a:cxn>
+              <a:cxn ang="0">
+                <a:pos x="connsiteX22" y="connsiteY22"/>
+              </a:cxn>
+              <a:cxn ang="0">
+                <a:pos x="connsiteX23" y="connsiteY23"/>
+              </a:cxn>
+              <a:cxn ang="0">
+                <a:pos x="connsiteX24" y="connsiteY24"/>
+              </a:cxn>
+              <a:cxn ang="0">
+                <a:pos x="connsiteX25" y="connsiteY25"/>
+              </a:cxn>
+              <a:cxn ang="0">
+                <a:pos x="connsiteX26" y="connsiteY26"/>
+              </a:cxn>
+              <a:cxn ang="0">
+                <a:pos x="connsiteX27" y="connsiteY27"/>
+              </a:cxn>
+              <a:cxn ang="0">
+                <a:pos x="connsiteX28" y="connsiteY28"/>
+              </a:cxn>
+              <a:cxn ang="0">
+                <a:pos x="connsiteX29" y="connsiteY29"/>
+              </a:cxn>
+              <a:cxn ang="0">
+                <a:pos x="connsiteX30" y="connsiteY30"/>
+              </a:cxn>
+              <a:cxn ang="0">
+                <a:pos x="connsiteX31" y="connsiteY31"/>
+              </a:cxn>
+              <a:cxn ang="0">
+                <a:pos x="connsiteX32" y="connsiteY32"/>
+              </a:cxn>
+              <a:cxn ang="0">
+                <a:pos x="connsiteX33" y="connsiteY33"/>
+              </a:cxn>
+              <a:cxn ang="0">
+                <a:pos x="connsiteX34" y="connsiteY34"/>
+              </a:cxn>
+              <a:cxn ang="0">
+                <a:pos x="connsiteX35" y="connsiteY35"/>
+              </a:cxn>
+              <a:cxn ang="0">
+                <a:pos x="connsiteX36" y="connsiteY36"/>
+              </a:cxn>
+              <a:cxn ang="0">
+                <a:pos x="connsiteX37" y="connsiteY37"/>
+              </a:cxn>
+              <a:cxn ang="0">
+                <a:pos x="connsiteX38" y="connsiteY38"/>
+              </a:cxn>
+              <a:cxn ang="0">
+                <a:pos x="connsiteX39" y="connsiteY39"/>
+              </a:cxn>
+              <a:cxn ang="0">
+                <a:pos x="connsiteX40" y="connsiteY40"/>
+              </a:cxn>
+              <a:cxn ang="0">
+                <a:pos x="connsiteX41" y="connsiteY41"/>
+              </a:cxn>
+              <a:cxn ang="0">
+                <a:pos x="connsiteX42" y="connsiteY42"/>
+              </a:cxn>
+              <a:cxn ang="0">
+                <a:pos x="connsiteX43" y="connsiteY43"/>
+              </a:cxn>
+              <a:cxn ang="0">
+                <a:pos x="connsiteX44" y="connsiteY44"/>
+              </a:cxn>
+              <a:cxn ang="0">
+                <a:pos x="connsiteX45" y="connsiteY45"/>
+              </a:cxn>
+              <a:cxn ang="0">
+                <a:pos x="connsiteX46" y="connsiteY46"/>
+              </a:cxn>
+              <a:cxn ang="0">
+                <a:pos x="connsiteX47" y="connsiteY47"/>
+              </a:cxn>
+              <a:cxn ang="0">
+                <a:pos x="connsiteX48" y="connsiteY48"/>
+              </a:cxn>
+              <a:cxn ang="0">
+                <a:pos x="connsiteX49" y="connsiteY49"/>
+              </a:cxn>
+              <a:cxn ang="0">
+                <a:pos x="connsiteX50" y="connsiteY50"/>
+              </a:cxn>
+              <a:cxn ang="0">
+                <a:pos x="connsiteX51" y="connsiteY51"/>
+              </a:cxn>
+              <a:cxn ang="0">
+                <a:pos x="connsiteX52" y="connsiteY52"/>
+              </a:cxn>
+              <a:cxn ang="0">
+                <a:pos x="connsiteX53" y="connsiteY53"/>
+              </a:cxn>
+              <a:cxn ang="0">
+                <a:pos x="connsiteX54" y="connsiteY54"/>
+              </a:cxn>
+              <a:cxn ang="0">
+                <a:pos x="connsiteX55" y="connsiteY55"/>
+              </a:cxn>
+              <a:cxn ang="0">
+                <a:pos x="connsiteX56" y="connsiteY56"/>
+              </a:cxn>
+              <a:cxn ang="0">
+                <a:pos x="connsiteX57" y="connsiteY57"/>
+              </a:cxn>
+              <a:cxn ang="0">
+                <a:pos x="connsiteX58" y="connsiteY58"/>
+              </a:cxn>
+              <a:cxn ang="0">
+                <a:pos x="connsiteX59" y="connsiteY59"/>
+              </a:cxn>
+              <a:cxn ang="0">
+                <a:pos x="connsiteX60" y="connsiteY60"/>
+              </a:cxn>
+              <a:cxn ang="0">
+                <a:pos x="connsiteX61" y="connsiteY61"/>
+              </a:cxn>
+              <a:cxn ang="0">
+                <a:pos x="connsiteX62" y="connsiteY62"/>
+              </a:cxn>
+            </a:cxnLst>
+            <a:rect l="l" t="t" r="r" b="b"/>
+            <a:pathLst>
+              <a:path w="2556145" h="3250307">
+                <a:moveTo>
+                  <a:pt x="1704966" y="3221586"/>
+                </a:moveTo>
+                <a:lnTo>
+                  <a:pt x="1719326" y="2810357"/>
+                </a:lnTo>
+                <a:lnTo>
+                  <a:pt x="2130556" y="2824717"/>
+                </a:lnTo>
+                <a:lnTo>
+                  <a:pt x="2144916" y="2413488"/>
+                </a:lnTo>
+                <a:lnTo>
+                  <a:pt x="2556145" y="2427849"/>
+                </a:lnTo>
+                <a:lnTo>
+                  <a:pt x="2527424" y="3250307"/>
+                </a:lnTo>
+                <a:close/>
+                <a:moveTo>
+                  <a:pt x="297522" y="1966692"/>
+                </a:moveTo>
+                <a:cubicBezTo>
+                  <a:pt x="302093" y="1835797"/>
+                  <a:pt x="411910" y="1733390"/>
+                  <a:pt x="542806" y="1737961"/>
+                </a:cubicBezTo>
+                <a:cubicBezTo>
+                  <a:pt x="575529" y="1739104"/>
+                  <a:pt x="606473" y="1746824"/>
+                  <a:pt x="634409" y="1759807"/>
+                </a:cubicBezTo>
+                <a:lnTo>
+                  <a:pt x="675730" y="1789816"/>
+                </a:lnTo>
+                <a:lnTo>
+                  <a:pt x="932915" y="1504183"/>
+                </a:lnTo>
+                <a:lnTo>
+                  <a:pt x="882766" y="1474652"/>
+                </a:lnTo>
+                <a:cubicBezTo>
+                  <a:pt x="793168" y="1409454"/>
+                  <a:pt x="736503" y="1302362"/>
+                  <a:pt x="740661" y="1183285"/>
+                </a:cubicBezTo>
+                <a:cubicBezTo>
+                  <a:pt x="747314" y="992762"/>
+                  <a:pt x="907157" y="843707"/>
+                  <a:pt x="1097679" y="850360"/>
+                </a:cubicBezTo>
+                <a:cubicBezTo>
+                  <a:pt x="1216756" y="854518"/>
+                  <a:pt x="1319635" y="918516"/>
+                  <a:pt x="1378424" y="1012444"/>
+                </a:cubicBezTo>
+                <a:lnTo>
+                  <a:pt x="1388475" y="1032609"/>
+                </a:lnTo>
+                <a:lnTo>
+                  <a:pt x="1627124" y="877628"/>
+                </a:lnTo>
+                <a:lnTo>
+                  <a:pt x="1612998" y="849286"/>
+                </a:lnTo>
+                <a:cubicBezTo>
+                  <a:pt x="1601994" y="820512"/>
+                  <a:pt x="1596451" y="789105"/>
+                  <a:pt x="1597594" y="756381"/>
+                </a:cubicBezTo>
+                <a:cubicBezTo>
+                  <a:pt x="1602165" y="625486"/>
+                  <a:pt x="1711983" y="523079"/>
+                  <a:pt x="1842878" y="527650"/>
+                </a:cubicBezTo>
+                <a:cubicBezTo>
+                  <a:pt x="1973773" y="532221"/>
+                  <a:pt x="2076180" y="642039"/>
+                  <a:pt x="2071609" y="772934"/>
+                </a:cubicBezTo>
+                <a:cubicBezTo>
+                  <a:pt x="2067038" y="903830"/>
+                  <a:pt x="1957220" y="1006236"/>
+                  <a:pt x="1826325" y="1001665"/>
+                </a:cubicBezTo>
+                <a:cubicBezTo>
+                  <a:pt x="1760877" y="999380"/>
+                  <a:pt x="1702552" y="970783"/>
+                  <a:pt x="1661160" y="926395"/>
+                </a:cubicBezTo>
+                <a:lnTo>
+                  <a:pt x="1652778" y="915482"/>
+                </a:lnTo>
+                <a:lnTo>
+                  <a:pt x="1408687" y="1073997"/>
+                </a:lnTo>
+                <a:lnTo>
+                  <a:pt x="1426024" y="1137610"/>
+                </a:lnTo>
+                <a:cubicBezTo>
+                  <a:pt x="1429835" y="1160227"/>
+                  <a:pt x="1431436" y="1183563"/>
+                  <a:pt x="1430605" y="1207378"/>
+                </a:cubicBezTo>
+                <a:cubicBezTo>
+                  <a:pt x="1427694" y="1290732"/>
+                  <a:pt x="1395462" y="1366149"/>
+                  <a:pt x="1344167" y="1424062"/>
+                </a:cubicBezTo>
+                <a:lnTo>
+                  <a:pt x="1305485" y="1455257"/>
+                </a:lnTo>
+                <a:lnTo>
+                  <a:pt x="1636897" y="1798444"/>
+                </a:lnTo>
+                <a:lnTo>
+                  <a:pt x="1666484" y="1779965"/>
+                </a:lnTo>
+                <a:cubicBezTo>
+                  <a:pt x="1688603" y="1771506"/>
+                  <a:pt x="1712747" y="1767245"/>
+                  <a:pt x="1737903" y="1768123"/>
+                </a:cubicBezTo>
+                <a:cubicBezTo>
+                  <a:pt x="1838528" y="1771637"/>
+                  <a:pt x="1917252" y="1856059"/>
+                  <a:pt x="1913738" y="1956684"/>
+                </a:cubicBezTo>
+                <a:cubicBezTo>
+                  <a:pt x="1910225" y="2057309"/>
+                  <a:pt x="1825803" y="2136033"/>
+                  <a:pt x="1725178" y="2132519"/>
+                </a:cubicBezTo>
+                <a:cubicBezTo>
+                  <a:pt x="1624553" y="2129005"/>
+                  <a:pt x="1545829" y="2044584"/>
+                  <a:pt x="1549343" y="1943959"/>
+                </a:cubicBezTo>
+                <a:cubicBezTo>
+                  <a:pt x="1550221" y="1918803"/>
+                  <a:pt x="1556156" y="1895015"/>
+                  <a:pt x="1566137" y="1873539"/>
+                </a:cubicBezTo>
+                <a:lnTo>
+                  <a:pt x="1600357" y="1826421"/>
+                </a:lnTo>
+                <a:lnTo>
+                  <a:pt x="1269754" y="1484072"/>
+                </a:lnTo>
+                <a:lnTo>
+                  <a:pt x="1254211" y="1496607"/>
+                </a:lnTo>
+                <a:cubicBezTo>
+                  <a:pt x="1220315" y="1515616"/>
+                  <a:pt x="1182935" y="1529053"/>
+                  <a:pt x="1143355" y="1535723"/>
+                </a:cubicBezTo>
+                <a:lnTo>
+                  <a:pt x="1139752" y="1535959"/>
+                </a:lnTo>
+                <a:lnTo>
+                  <a:pt x="1139752" y="2625193"/>
+                </a:lnTo>
+                <a:lnTo>
+                  <a:pt x="1206000" y="2640992"/>
+                </a:lnTo>
+                <a:cubicBezTo>
+                  <a:pt x="1274589" y="2672869"/>
+                  <a:pt x="1321031" y="2743509"/>
+                  <a:pt x="1318225" y="2823853"/>
+                </a:cubicBezTo>
+                <a:cubicBezTo>
+                  <a:pt x="1314484" y="2930978"/>
+                  <a:pt x="1224609" y="3014787"/>
+                  <a:pt x="1117485" y="3011046"/>
+                </a:cubicBezTo>
+                <a:cubicBezTo>
+                  <a:pt x="1010360" y="3007305"/>
+                  <a:pt x="926551" y="2917431"/>
+                  <a:pt x="930291" y="2810306"/>
+                </a:cubicBezTo>
+                <a:cubicBezTo>
+                  <a:pt x="933097" y="2729963"/>
+                  <a:pt x="984353" y="2662734"/>
+                  <a:pt x="1054999" y="2635719"/>
+                </a:cubicBezTo>
+                <a:lnTo>
+                  <a:pt x="1094033" y="2629247"/>
+                </a:lnTo>
+                <a:lnTo>
+                  <a:pt x="1094033" y="1538961"/>
+                </a:lnTo>
+                <a:lnTo>
+                  <a:pt x="1073586" y="1540303"/>
+                </a:lnTo>
+                <a:cubicBezTo>
+                  <a:pt x="1049771" y="1539472"/>
+                  <a:pt x="1026603" y="1536246"/>
+                  <a:pt x="1004307" y="1530867"/>
+                </a:cubicBezTo>
+                <a:lnTo>
+                  <a:pt x="978517" y="1521863"/>
+                </a:lnTo>
+                <a:lnTo>
+                  <a:pt x="711745" y="1818144"/>
+                </a:lnTo>
+                <a:lnTo>
+                  <a:pt x="735687" y="1849318"/>
+                </a:lnTo>
+                <a:cubicBezTo>
+                  <a:pt x="759921" y="1888037"/>
+                  <a:pt x="773251" y="1934159"/>
+                  <a:pt x="771537" y="1983245"/>
+                </a:cubicBezTo>
+                <a:cubicBezTo>
+                  <a:pt x="766966" y="2114140"/>
+                  <a:pt x="657148" y="2216547"/>
+                  <a:pt x="526253" y="2211976"/>
+                </a:cubicBezTo>
+                <a:cubicBezTo>
+                  <a:pt x="395357" y="2207405"/>
+                  <a:pt x="292951" y="2097587"/>
+                  <a:pt x="297522" y="1966692"/>
+                </a:cubicBezTo>
+                <a:close/>
+                <a:moveTo>
+                  <a:pt x="0" y="822458"/>
+                </a:moveTo>
+                <a:lnTo>
+                  <a:pt x="28720" y="0"/>
+                </a:lnTo>
+                <a:lnTo>
+                  <a:pt x="851179" y="28721"/>
+                </a:lnTo>
+                <a:lnTo>
+                  <a:pt x="836819" y="439950"/>
+                </a:lnTo>
+                <a:lnTo>
+                  <a:pt x="425589" y="425590"/>
+                </a:lnTo>
+                <a:lnTo>
+                  <a:pt x="411229" y="836819"/>
+                </a:lnTo>
+                <a:close/>
+              </a:path>
+            </a:pathLst>
+          </a:custGeom>
+          <a:solidFill>
+            <a:srgbClr val="0070C0"/>
+          </a:solidFill>
+          <a:ln w="10795" cap="flat" cmpd="sng" algn="ctr">
+            <a:noFill/>
+            <a:prstDash val="solid"/>
+            <a:headEnd type="none" w="med" len="med"/>
+            <a:tailEnd type="none" w="med" len="med"/>
+          </a:ln>
+          <a:effectLst/>
+        </p:spPr>
+        <p:txBody>
+          <a:bodyPr vert="horz" wrap="square" lIns="0" tIns="44821" rIns="0" bIns="44821" numCol="1" rtlCol="0" anchor="ctr" anchorCtr="0" compatLnSpc="1">
+            <a:prstTxWarp prst="textNoShape">
+              <a:avLst/>
+            </a:prstTxWarp>
+          </a:bodyPr>
+          <a:lstStyle/>
+          <a:p>
+            <a:pPr marL="0" marR="0" lvl="0" indent="0" algn="ctr" defTabSz="896073" rtl="0" eaLnBrk="1" fontAlgn="base" latinLnBrk="0" hangingPunct="1">
+              <a:lnSpc>
+                <a:spcPct val="100000"/>
+              </a:lnSpc>
+              <a:spcBef>
+                <a:spcPct val="0"/>
+              </a:spcBef>
+              <a:spcAft>
+                <a:spcPct val="0"/>
+              </a:spcAft>
+              <a:buClrTx/>
+              <a:buSzTx/>
+              <a:buFontTx/>
+              <a:buNone/>
+              <a:tabLst/>
+              <a:defRPr/>
+            </a:pPr>
+            <a:endParaRPr kumimoji="0" lang="en-US" sz="1922" b="0" i="0" u="none" strike="noStrike" kern="0" cap="none" spc="0" normalizeH="0" baseline="0" noProof="0" dirty="0">
+              <a:ln>
+                <a:noFill/>
+              </a:ln>
+              <a:gradFill>
+                <a:gsLst>
+                  <a:gs pos="5417">
+                    <a:srgbClr val="505050"/>
+                  </a:gs>
+                  <a:gs pos="100000">
+                    <a:srgbClr val="505050"/>
+                  </a:gs>
+                </a:gsLst>
+                <a:lin ang="5400000" scaled="0"/>
+              </a:gradFill>
+              <a:effectLst/>
+              <a:uLnTx/>
+              <a:uFillTx/>
+              <a:latin typeface="Segoe UI"/>
+              <a:ea typeface="+mn-ea"/>
+              <a:cs typeface="+mn-cs"/>
+            </a:endParaRPr>
+          </a:p>
+        </p:txBody>
+      </p:sp>
+      <p:grpSp>
+        <p:nvGrpSpPr>
+          <p:cNvPr id="6" name="Group 5">
+            <a:extLst>
+              <a:ext uri="{FF2B5EF4-FFF2-40B4-BE49-F238E27FC236}">
+                <a16:creationId xmlns:a16="http://schemas.microsoft.com/office/drawing/2014/main" id="{FD385868-1933-400D-BF7D-A2700549D6B5}"/>
+              </a:ext>
+            </a:extLst>
+          </p:cNvPr>
+          <p:cNvGrpSpPr/>
+          <p:nvPr/>
+        </p:nvGrpSpPr>
+        <p:grpSpPr>
+          <a:xfrm>
+            <a:off x="9583359" y="3648273"/>
+            <a:ext cx="497380" cy="495854"/>
+            <a:chOff x="2296894" y="-3310276"/>
+            <a:chExt cx="484187" cy="498475"/>
+          </a:xfrm>
+        </p:grpSpPr>
+        <p:sp>
+          <p:nvSpPr>
+            <p:cNvPr id="7" name="Freeform 172">
+              <a:extLst>
+                <a:ext uri="{FF2B5EF4-FFF2-40B4-BE49-F238E27FC236}">
+                  <a16:creationId xmlns:a16="http://schemas.microsoft.com/office/drawing/2014/main" id="{4DC83926-264B-4015-B783-AC275FE28A09}"/>
+                </a:ext>
+              </a:extLst>
+            </p:cNvPr>
+            <p:cNvSpPr>
+              <a:spLocks/>
+            </p:cNvSpPr>
+            <p:nvPr/>
+          </p:nvSpPr>
+          <p:spPr bwMode="auto">
+            <a:xfrm>
+              <a:off x="2514382" y="-3142001"/>
+              <a:ext cx="82550" cy="65088"/>
+            </a:xfrm>
+            <a:custGeom>
+              <a:avLst/>
+              <a:gdLst>
+                <a:gd name="T0" fmla="*/ 110 w 110"/>
+                <a:gd name="T1" fmla="*/ 76 h 87"/>
+                <a:gd name="T2" fmla="*/ 99 w 110"/>
+                <a:gd name="T3" fmla="*/ 87 h 87"/>
+                <a:gd name="T4" fmla="*/ 11 w 110"/>
+                <a:gd name="T5" fmla="*/ 87 h 87"/>
+                <a:gd name="T6" fmla="*/ 0 w 110"/>
+                <a:gd name="T7" fmla="*/ 76 h 87"/>
+                <a:gd name="T8" fmla="*/ 0 w 110"/>
+                <a:gd name="T9" fmla="*/ 11 h 87"/>
+                <a:gd name="T10" fmla="*/ 11 w 110"/>
+                <a:gd name="T11" fmla="*/ 0 h 87"/>
+                <a:gd name="T12" fmla="*/ 99 w 110"/>
+                <a:gd name="T13" fmla="*/ 0 h 87"/>
+                <a:gd name="T14" fmla="*/ 110 w 110"/>
+                <a:gd name="T15" fmla="*/ 11 h 87"/>
+                <a:gd name="T16" fmla="*/ 110 w 110"/>
+                <a:gd name="T17" fmla="*/ 76 h 87"/>
+              </a:gdLst>
+              <a:ahLst/>
+              <a:cxnLst>
+                <a:cxn ang="0">
+                  <a:pos x="T0" y="T1"/>
+                </a:cxn>
+                <a:cxn ang="0">
+                  <a:pos x="T2" y="T3"/>
+                </a:cxn>
+                <a:cxn ang="0">
+                  <a:pos x="T4" y="T5"/>
+                </a:cxn>
+                <a:cxn ang="0">
+                  <a:pos x="T6" y="T7"/>
+                </a:cxn>
+                <a:cxn ang="0">
+                  <a:pos x="T8" y="T9"/>
+                </a:cxn>
+                <a:cxn ang="0">
+                  <a:pos x="T10" y="T11"/>
+                </a:cxn>
+                <a:cxn ang="0">
+                  <a:pos x="T12" y="T13"/>
+                </a:cxn>
+                <a:cxn ang="0">
+                  <a:pos x="T14" y="T15"/>
+                </a:cxn>
+                <a:cxn ang="0">
+                  <a:pos x="T16" y="T17"/>
+                </a:cxn>
+              </a:cxnLst>
+              <a:rect l="0" t="0" r="r" b="b"/>
+              <a:pathLst>
+                <a:path w="110" h="87">
+                  <a:moveTo>
+                    <a:pt x="110" y="76"/>
+                  </a:moveTo>
+                  <a:cubicBezTo>
+                    <a:pt x="110" y="82"/>
+                    <a:pt x="105" y="87"/>
+                    <a:pt x="99" y="87"/>
+                  </a:cubicBezTo>
+                  <a:lnTo>
+                    <a:pt x="11" y="87"/>
+                  </a:lnTo>
+                  <a:cubicBezTo>
+                    <a:pt x="5" y="87"/>
+                    <a:pt x="0" y="82"/>
+                    <a:pt x="0" y="76"/>
+                  </a:cubicBezTo>
+                  <a:lnTo>
+                    <a:pt x="0" y="11"/>
+                  </a:lnTo>
+                  <a:cubicBezTo>
+                    <a:pt x="0" y="5"/>
+                    <a:pt x="5" y="0"/>
+                    <a:pt x="11" y="0"/>
+                  </a:cubicBezTo>
+                  <a:lnTo>
+                    <a:pt x="99" y="0"/>
+                  </a:lnTo>
+                  <a:cubicBezTo>
+                    <a:pt x="105" y="0"/>
+                    <a:pt x="110" y="5"/>
+                    <a:pt x="110" y="11"/>
+                  </a:cubicBezTo>
+                  <a:lnTo>
+                    <a:pt x="110" y="76"/>
+                  </a:lnTo>
+                  <a:close/>
+                </a:path>
+              </a:pathLst>
+            </a:custGeom>
+            <a:solidFill>
+              <a:srgbClr val="0070C0"/>
+            </a:solidFill>
+            <a:ln w="0">
+              <a:noFill/>
+              <a:prstDash val="solid"/>
+              <a:round/>
+              <a:headEnd/>
+              <a:tailEnd/>
+            </a:ln>
+          </p:spPr>
+          <p:txBody>
+            <a:bodyPr vert="horz" wrap="square" lIns="87880" tIns="43940" rIns="87880" bIns="43940" numCol="1" anchor="t" anchorCtr="0" compatLnSpc="1">
+              <a:prstTxWarp prst="textNoShape">
+                <a:avLst/>
+              </a:prstTxWarp>
+            </a:bodyPr>
+            <a:lstStyle/>
+            <a:p>
+              <a:pPr marL="0" marR="0" lvl="0" indent="0" algn="l" defTabSz="585804" rtl="0" eaLnBrk="1" fontAlgn="auto" latinLnBrk="0" hangingPunct="1">
+                <a:lnSpc>
+                  <a:spcPct val="100000"/>
+                </a:lnSpc>
+                <a:spcBef>
+                  <a:spcPts val="0"/>
+                </a:spcBef>
+                <a:spcAft>
+                  <a:spcPts val="0"/>
+                </a:spcAft>
+                <a:buClrTx/>
+                <a:buSzTx/>
+                <a:buFontTx/>
+                <a:buNone/>
+                <a:tabLst/>
+                <a:defRPr/>
+              </a:pPr>
+              <a:endParaRPr kumimoji="0" lang="en-US" sz="1730" b="0" i="0" u="none" strike="noStrike" kern="0" cap="none" spc="0" normalizeH="0" baseline="0" noProof="0">
+                <a:ln>
+                  <a:noFill/>
+                </a:ln>
+                <a:solidFill>
+                  <a:prstClr val="black"/>
+                </a:solidFill>
+                <a:effectLst/>
+                <a:uLnTx/>
+                <a:uFillTx/>
+                <a:latin typeface="Segoe UI"/>
+                <a:ea typeface="+mn-ea"/>
+                <a:cs typeface="+mn-cs"/>
+              </a:endParaRPr>
+            </a:p>
+          </p:txBody>
+        </p:sp>
+        <p:sp>
+          <p:nvSpPr>
+            <p:cNvPr id="8" name="Freeform 173">
+              <a:extLst>
+                <a:ext uri="{FF2B5EF4-FFF2-40B4-BE49-F238E27FC236}">
+                  <a16:creationId xmlns:a16="http://schemas.microsoft.com/office/drawing/2014/main" id="{B9547364-8A99-4444-956A-94F159F8FB42}"/>
+                </a:ext>
+              </a:extLst>
+            </p:cNvPr>
+            <p:cNvSpPr>
+              <a:spLocks/>
+            </p:cNvSpPr>
+            <p:nvPr/>
+          </p:nvSpPr>
+          <p:spPr bwMode="auto">
+            <a:xfrm>
+              <a:off x="2631857" y="-3092789"/>
+              <a:ext cx="80962" cy="66675"/>
+            </a:xfrm>
+            <a:custGeom>
+              <a:avLst/>
+              <a:gdLst>
+                <a:gd name="T0" fmla="*/ 109 w 110"/>
+                <a:gd name="T1" fmla="*/ 76 h 88"/>
+                <a:gd name="T2" fmla="*/ 97 w 110"/>
+                <a:gd name="T3" fmla="*/ 88 h 88"/>
+                <a:gd name="T4" fmla="*/ 12 w 110"/>
+                <a:gd name="T5" fmla="*/ 88 h 88"/>
+                <a:gd name="T6" fmla="*/ 0 w 110"/>
+                <a:gd name="T7" fmla="*/ 76 h 88"/>
+                <a:gd name="T8" fmla="*/ 0 w 110"/>
+                <a:gd name="T9" fmla="*/ 12 h 88"/>
+                <a:gd name="T10" fmla="*/ 12 w 110"/>
+                <a:gd name="T11" fmla="*/ 0 h 88"/>
+                <a:gd name="T12" fmla="*/ 99 w 110"/>
+                <a:gd name="T13" fmla="*/ 0 h 88"/>
+                <a:gd name="T14" fmla="*/ 110 w 110"/>
+                <a:gd name="T15" fmla="*/ 12 h 88"/>
+                <a:gd name="T16" fmla="*/ 110 w 110"/>
+                <a:gd name="T17" fmla="*/ 76 h 88"/>
+                <a:gd name="T18" fmla="*/ 109 w 110"/>
+                <a:gd name="T19" fmla="*/ 76 h 88"/>
+              </a:gdLst>
+              <a:ahLst/>
+              <a:cxnLst>
+                <a:cxn ang="0">
+                  <a:pos x="T0" y="T1"/>
+                </a:cxn>
+                <a:cxn ang="0">
+                  <a:pos x="T2" y="T3"/>
+                </a:cxn>
+                <a:cxn ang="0">
+                  <a:pos x="T4" y="T5"/>
+                </a:cxn>
+                <a:cxn ang="0">
+                  <a:pos x="T6" y="T7"/>
+                </a:cxn>
+                <a:cxn ang="0">
+                  <a:pos x="T8" y="T9"/>
+                </a:cxn>
+                <a:cxn ang="0">
+                  <a:pos x="T10" y="T11"/>
+                </a:cxn>
+                <a:cxn ang="0">
+                  <a:pos x="T12" y="T13"/>
+                </a:cxn>
+                <a:cxn ang="0">
+                  <a:pos x="T14" y="T15"/>
+                </a:cxn>
+                <a:cxn ang="0">
+                  <a:pos x="T16" y="T17"/>
+                </a:cxn>
+                <a:cxn ang="0">
+                  <a:pos x="T18" y="T19"/>
+                </a:cxn>
+              </a:cxnLst>
+              <a:rect l="0" t="0" r="r" b="b"/>
+              <a:pathLst>
+                <a:path w="110" h="88">
+                  <a:moveTo>
+                    <a:pt x="109" y="76"/>
+                  </a:moveTo>
+                  <a:cubicBezTo>
+                    <a:pt x="109" y="83"/>
+                    <a:pt x="104" y="88"/>
+                    <a:pt x="97" y="88"/>
+                  </a:cubicBezTo>
+                  <a:lnTo>
+                    <a:pt x="12" y="88"/>
+                  </a:lnTo>
+                  <a:cubicBezTo>
+                    <a:pt x="5" y="88"/>
+                    <a:pt x="0" y="83"/>
+                    <a:pt x="0" y="76"/>
+                  </a:cubicBezTo>
+                  <a:lnTo>
+                    <a:pt x="0" y="12"/>
+                  </a:lnTo>
+                  <a:cubicBezTo>
+                    <a:pt x="0" y="5"/>
+                    <a:pt x="5" y="0"/>
+                    <a:pt x="12" y="0"/>
+                  </a:cubicBezTo>
+                  <a:lnTo>
+                    <a:pt x="99" y="0"/>
+                  </a:lnTo>
+                  <a:cubicBezTo>
+                    <a:pt x="106" y="0"/>
+                    <a:pt x="110" y="5"/>
+                    <a:pt x="110" y="12"/>
+                  </a:cubicBezTo>
+                  <a:lnTo>
+                    <a:pt x="110" y="76"/>
+                  </a:lnTo>
+                  <a:lnTo>
+                    <a:pt x="109" y="76"/>
+                  </a:lnTo>
+                  <a:close/>
+                </a:path>
+              </a:pathLst>
+            </a:custGeom>
+            <a:solidFill>
+              <a:srgbClr val="0070C0"/>
+            </a:solidFill>
+            <a:ln w="0">
+              <a:noFill/>
+              <a:prstDash val="solid"/>
+              <a:round/>
+              <a:headEnd/>
+              <a:tailEnd/>
+            </a:ln>
+          </p:spPr>
+          <p:txBody>
+            <a:bodyPr vert="horz" wrap="square" lIns="87880" tIns="43940" rIns="87880" bIns="43940" numCol="1" anchor="t" anchorCtr="0" compatLnSpc="1">
+              <a:prstTxWarp prst="textNoShape">
+                <a:avLst/>
+              </a:prstTxWarp>
+            </a:bodyPr>
+            <a:lstStyle/>
+            <a:p>
+              <a:pPr marL="0" marR="0" lvl="0" indent="0" algn="l" defTabSz="585804" rtl="0" eaLnBrk="1" fontAlgn="auto" latinLnBrk="0" hangingPunct="1">
+                <a:lnSpc>
+                  <a:spcPct val="100000"/>
+                </a:lnSpc>
+                <a:spcBef>
+                  <a:spcPts val="0"/>
+                </a:spcBef>
+                <a:spcAft>
+                  <a:spcPts val="0"/>
+                </a:spcAft>
+                <a:buClrTx/>
+                <a:buSzTx/>
+                <a:buFontTx/>
+                <a:buNone/>
+                <a:tabLst/>
+                <a:defRPr/>
+              </a:pPr>
+              <a:endParaRPr kumimoji="0" lang="en-US" sz="1730" b="0" i="0" u="none" strike="noStrike" kern="0" cap="none" spc="0" normalizeH="0" baseline="0" noProof="0">
+                <a:ln>
+                  <a:noFill/>
+                </a:ln>
+                <a:solidFill>
+                  <a:prstClr val="black"/>
+                </a:solidFill>
+                <a:effectLst/>
+                <a:uLnTx/>
+                <a:uFillTx/>
+                <a:latin typeface="Segoe UI"/>
+                <a:ea typeface="+mn-ea"/>
+                <a:cs typeface="+mn-cs"/>
+              </a:endParaRPr>
+            </a:p>
+          </p:txBody>
+        </p:sp>
+        <p:sp>
+          <p:nvSpPr>
+            <p:cNvPr id="9" name="Freeform 174">
+              <a:extLst>
+                <a:ext uri="{FF2B5EF4-FFF2-40B4-BE49-F238E27FC236}">
+                  <a16:creationId xmlns:a16="http://schemas.microsoft.com/office/drawing/2014/main" id="{686A2250-77B1-424B-B37C-DA763A2D65F7}"/>
+                </a:ext>
+              </a:extLst>
+            </p:cNvPr>
+            <p:cNvSpPr>
+              <a:spLocks/>
+            </p:cNvSpPr>
+            <p:nvPr/>
+          </p:nvSpPr>
+          <p:spPr bwMode="auto">
+            <a:xfrm>
+              <a:off x="2514382" y="-3041989"/>
+              <a:ext cx="82550" cy="65088"/>
+            </a:xfrm>
+            <a:custGeom>
+              <a:avLst/>
+              <a:gdLst>
+                <a:gd name="T0" fmla="*/ 110 w 110"/>
+                <a:gd name="T1" fmla="*/ 76 h 87"/>
+                <a:gd name="T2" fmla="*/ 99 w 110"/>
+                <a:gd name="T3" fmla="*/ 87 h 87"/>
+                <a:gd name="T4" fmla="*/ 11 w 110"/>
+                <a:gd name="T5" fmla="*/ 87 h 87"/>
+                <a:gd name="T6" fmla="*/ 0 w 110"/>
+                <a:gd name="T7" fmla="*/ 76 h 87"/>
+                <a:gd name="T8" fmla="*/ 0 w 110"/>
+                <a:gd name="T9" fmla="*/ 12 h 87"/>
+                <a:gd name="T10" fmla="*/ 11 w 110"/>
+                <a:gd name="T11" fmla="*/ 0 h 87"/>
+                <a:gd name="T12" fmla="*/ 99 w 110"/>
+                <a:gd name="T13" fmla="*/ 0 h 87"/>
+                <a:gd name="T14" fmla="*/ 110 w 110"/>
+                <a:gd name="T15" fmla="*/ 12 h 87"/>
+                <a:gd name="T16" fmla="*/ 110 w 110"/>
+                <a:gd name="T17" fmla="*/ 76 h 87"/>
+              </a:gdLst>
+              <a:ahLst/>
+              <a:cxnLst>
+                <a:cxn ang="0">
+                  <a:pos x="T0" y="T1"/>
+                </a:cxn>
+                <a:cxn ang="0">
+                  <a:pos x="T2" y="T3"/>
+                </a:cxn>
+                <a:cxn ang="0">
+                  <a:pos x="T4" y="T5"/>
+                </a:cxn>
+                <a:cxn ang="0">
+                  <a:pos x="T6" y="T7"/>
+                </a:cxn>
+                <a:cxn ang="0">
+                  <a:pos x="T8" y="T9"/>
+                </a:cxn>
+                <a:cxn ang="0">
+                  <a:pos x="T10" y="T11"/>
+                </a:cxn>
+                <a:cxn ang="0">
+                  <a:pos x="T12" y="T13"/>
+                </a:cxn>
+                <a:cxn ang="0">
+                  <a:pos x="T14" y="T15"/>
+                </a:cxn>
+                <a:cxn ang="0">
+                  <a:pos x="T16" y="T17"/>
+                </a:cxn>
+              </a:cxnLst>
+              <a:rect l="0" t="0" r="r" b="b"/>
+              <a:pathLst>
+                <a:path w="110" h="87">
+                  <a:moveTo>
+                    <a:pt x="110" y="76"/>
+                  </a:moveTo>
+                  <a:cubicBezTo>
+                    <a:pt x="110" y="82"/>
+                    <a:pt x="105" y="87"/>
+                    <a:pt x="99" y="87"/>
+                  </a:cubicBezTo>
+                  <a:lnTo>
+                    <a:pt x="11" y="87"/>
+                  </a:lnTo>
+                  <a:cubicBezTo>
+                    <a:pt x="5" y="87"/>
+                    <a:pt x="0" y="82"/>
+                    <a:pt x="0" y="76"/>
+                  </a:cubicBezTo>
+                  <a:lnTo>
+                    <a:pt x="0" y="12"/>
+                  </a:lnTo>
+                  <a:cubicBezTo>
+                    <a:pt x="0" y="5"/>
+                    <a:pt x="5" y="0"/>
+                    <a:pt x="11" y="0"/>
+                  </a:cubicBezTo>
+                  <a:lnTo>
+                    <a:pt x="99" y="0"/>
+                  </a:lnTo>
+                  <a:cubicBezTo>
+                    <a:pt x="105" y="0"/>
+                    <a:pt x="110" y="5"/>
+                    <a:pt x="110" y="12"/>
+                  </a:cubicBezTo>
+                  <a:lnTo>
+                    <a:pt x="110" y="76"/>
+                  </a:lnTo>
+                  <a:close/>
+                </a:path>
+              </a:pathLst>
+            </a:custGeom>
+            <a:solidFill>
+              <a:srgbClr val="0070C0"/>
+            </a:solidFill>
+            <a:ln w="0">
+              <a:noFill/>
+              <a:prstDash val="solid"/>
+              <a:round/>
+              <a:headEnd/>
+              <a:tailEnd/>
+            </a:ln>
+          </p:spPr>
+          <p:txBody>
+            <a:bodyPr vert="horz" wrap="square" lIns="87880" tIns="43940" rIns="87880" bIns="43940" numCol="1" anchor="t" anchorCtr="0" compatLnSpc="1">
+              <a:prstTxWarp prst="textNoShape">
+                <a:avLst/>
+              </a:prstTxWarp>
+            </a:bodyPr>
+            <a:lstStyle/>
+            <a:p>
+              <a:pPr marL="0" marR="0" lvl="0" indent="0" algn="l" defTabSz="585804" rtl="0" eaLnBrk="1" fontAlgn="auto" latinLnBrk="0" hangingPunct="1">
+                <a:lnSpc>
+                  <a:spcPct val="100000"/>
+                </a:lnSpc>
+                <a:spcBef>
+                  <a:spcPts val="0"/>
+                </a:spcBef>
+                <a:spcAft>
+                  <a:spcPts val="0"/>
+                </a:spcAft>
+                <a:buClrTx/>
+                <a:buSzTx/>
+                <a:buFontTx/>
+                <a:buNone/>
+                <a:tabLst/>
+                <a:defRPr/>
+              </a:pPr>
+              <a:endParaRPr kumimoji="0" lang="en-US" sz="1730" b="0" i="0" u="none" strike="noStrike" kern="0" cap="none" spc="0" normalizeH="0" baseline="0" noProof="0">
+                <a:ln>
+                  <a:noFill/>
+                </a:ln>
+                <a:solidFill>
+                  <a:prstClr val="black"/>
+                </a:solidFill>
+                <a:effectLst/>
+                <a:uLnTx/>
+                <a:uFillTx/>
+                <a:latin typeface="Segoe UI"/>
+                <a:ea typeface="+mn-ea"/>
+                <a:cs typeface="+mn-cs"/>
+              </a:endParaRPr>
+            </a:p>
+          </p:txBody>
+        </p:sp>
+        <p:sp>
+          <p:nvSpPr>
+            <p:cNvPr id="10" name="Freeform 175">
+              <a:extLst>
+                <a:ext uri="{FF2B5EF4-FFF2-40B4-BE49-F238E27FC236}">
+                  <a16:creationId xmlns:a16="http://schemas.microsoft.com/office/drawing/2014/main" id="{3416427C-A775-40D0-8D4A-6560010D30AC}"/>
+                </a:ext>
+              </a:extLst>
+            </p:cNvPr>
+            <p:cNvSpPr>
+              <a:spLocks/>
+            </p:cNvSpPr>
+            <p:nvPr/>
+          </p:nvSpPr>
+          <p:spPr bwMode="auto">
+            <a:xfrm>
+              <a:off x="2396907" y="-3194389"/>
+              <a:ext cx="84137" cy="66675"/>
+            </a:xfrm>
+            <a:custGeom>
+              <a:avLst/>
+              <a:gdLst>
+                <a:gd name="T0" fmla="*/ 112 w 112"/>
+                <a:gd name="T1" fmla="*/ 79 h 91"/>
+                <a:gd name="T2" fmla="*/ 100 w 112"/>
+                <a:gd name="T3" fmla="*/ 91 h 91"/>
+                <a:gd name="T4" fmla="*/ 11 w 112"/>
+                <a:gd name="T5" fmla="*/ 91 h 91"/>
+                <a:gd name="T6" fmla="*/ 0 w 112"/>
+                <a:gd name="T7" fmla="*/ 79 h 91"/>
+                <a:gd name="T8" fmla="*/ 0 w 112"/>
+                <a:gd name="T9" fmla="*/ 12 h 91"/>
+                <a:gd name="T10" fmla="*/ 11 w 112"/>
+                <a:gd name="T11" fmla="*/ 0 h 91"/>
+                <a:gd name="T12" fmla="*/ 98 w 112"/>
+                <a:gd name="T13" fmla="*/ 0 h 91"/>
+                <a:gd name="T14" fmla="*/ 112 w 112"/>
+                <a:gd name="T15" fmla="*/ 12 h 91"/>
+                <a:gd name="T16" fmla="*/ 112 w 112"/>
+                <a:gd name="T17" fmla="*/ 79 h 91"/>
+              </a:gdLst>
+              <a:ahLst/>
+              <a:cxnLst>
+                <a:cxn ang="0">
+                  <a:pos x="T0" y="T1"/>
+                </a:cxn>
+                <a:cxn ang="0">
+                  <a:pos x="T2" y="T3"/>
+                </a:cxn>
+                <a:cxn ang="0">
+                  <a:pos x="T4" y="T5"/>
+                </a:cxn>
+                <a:cxn ang="0">
+                  <a:pos x="T6" y="T7"/>
+                </a:cxn>
+                <a:cxn ang="0">
+                  <a:pos x="T8" y="T9"/>
+                </a:cxn>
+                <a:cxn ang="0">
+                  <a:pos x="T10" y="T11"/>
+                </a:cxn>
+                <a:cxn ang="0">
+                  <a:pos x="T12" y="T13"/>
+                </a:cxn>
+                <a:cxn ang="0">
+                  <a:pos x="T14" y="T15"/>
+                </a:cxn>
+                <a:cxn ang="0">
+                  <a:pos x="T16" y="T17"/>
+                </a:cxn>
+              </a:cxnLst>
+              <a:rect l="0" t="0" r="r" b="b"/>
+              <a:pathLst>
+                <a:path w="112" h="91">
+                  <a:moveTo>
+                    <a:pt x="112" y="79"/>
+                  </a:moveTo>
+                  <a:cubicBezTo>
+                    <a:pt x="112" y="86"/>
+                    <a:pt x="107" y="91"/>
+                    <a:pt x="100" y="91"/>
+                  </a:cubicBezTo>
+                  <a:lnTo>
+                    <a:pt x="11" y="91"/>
+                  </a:lnTo>
+                  <a:cubicBezTo>
+                    <a:pt x="4" y="91"/>
+                    <a:pt x="0" y="86"/>
+                    <a:pt x="0" y="79"/>
+                  </a:cubicBezTo>
+                  <a:lnTo>
+                    <a:pt x="0" y="12"/>
+                  </a:lnTo>
+                  <a:cubicBezTo>
+                    <a:pt x="0" y="5"/>
+                    <a:pt x="4" y="0"/>
+                    <a:pt x="11" y="0"/>
+                  </a:cubicBezTo>
+                  <a:lnTo>
+                    <a:pt x="98" y="0"/>
+                  </a:lnTo>
+                  <a:cubicBezTo>
+                    <a:pt x="107" y="0"/>
+                    <a:pt x="112" y="5"/>
+                    <a:pt x="112" y="12"/>
+                  </a:cubicBezTo>
+                  <a:lnTo>
+                    <a:pt x="112" y="79"/>
+                  </a:lnTo>
+                  <a:close/>
+                </a:path>
+              </a:pathLst>
+            </a:custGeom>
+            <a:solidFill>
+              <a:srgbClr val="0070C0"/>
+            </a:solidFill>
+            <a:ln w="0">
+              <a:noFill/>
+              <a:prstDash val="solid"/>
+              <a:round/>
+              <a:headEnd/>
+              <a:tailEnd/>
+            </a:ln>
+          </p:spPr>
+          <p:txBody>
+            <a:bodyPr vert="horz" wrap="square" lIns="87880" tIns="43940" rIns="87880" bIns="43940" numCol="1" anchor="t" anchorCtr="0" compatLnSpc="1">
+              <a:prstTxWarp prst="textNoShape">
+                <a:avLst/>
+              </a:prstTxWarp>
+            </a:bodyPr>
+            <a:lstStyle/>
+            <a:p>
+              <a:pPr marL="0" marR="0" lvl="0" indent="0" algn="l" defTabSz="585804" rtl="0" eaLnBrk="1" fontAlgn="auto" latinLnBrk="0" hangingPunct="1">
+                <a:lnSpc>
+                  <a:spcPct val="100000"/>
+                </a:lnSpc>
+                <a:spcBef>
+                  <a:spcPts val="0"/>
+                </a:spcBef>
+                <a:spcAft>
+                  <a:spcPts val="0"/>
+                </a:spcAft>
+                <a:buClrTx/>
+                <a:buSzTx/>
+                <a:buFontTx/>
+                <a:buNone/>
+                <a:tabLst/>
+                <a:defRPr/>
+              </a:pPr>
+              <a:endParaRPr kumimoji="0" lang="en-US" sz="1730" b="0" i="0" u="none" strike="noStrike" kern="0" cap="none" spc="0" normalizeH="0" baseline="0" noProof="0">
+                <a:ln>
+                  <a:noFill/>
+                </a:ln>
+                <a:solidFill>
+                  <a:prstClr val="black"/>
+                </a:solidFill>
+                <a:effectLst/>
+                <a:uLnTx/>
+                <a:uFillTx/>
+                <a:latin typeface="Segoe UI"/>
+                <a:ea typeface="+mn-ea"/>
+                <a:cs typeface="+mn-cs"/>
+              </a:endParaRPr>
+            </a:p>
+          </p:txBody>
+        </p:sp>
+        <p:sp>
+          <p:nvSpPr>
+            <p:cNvPr id="11" name="Freeform 176">
+              <a:extLst>
+                <a:ext uri="{FF2B5EF4-FFF2-40B4-BE49-F238E27FC236}">
+                  <a16:creationId xmlns:a16="http://schemas.microsoft.com/office/drawing/2014/main" id="{B11AA948-3736-4614-A7CA-20691B740E63}"/>
+                </a:ext>
+              </a:extLst>
+            </p:cNvPr>
+            <p:cNvSpPr>
+              <a:spLocks/>
+            </p:cNvSpPr>
+            <p:nvPr/>
+          </p:nvSpPr>
+          <p:spPr bwMode="auto">
+            <a:xfrm>
+              <a:off x="2296894" y="-3310276"/>
+              <a:ext cx="482600" cy="117475"/>
+            </a:xfrm>
+            <a:custGeom>
+              <a:avLst/>
+              <a:gdLst>
+                <a:gd name="T0" fmla="*/ 640 w 651"/>
+                <a:gd name="T1" fmla="*/ 0 h 157"/>
+                <a:gd name="T2" fmla="*/ 12 w 651"/>
+                <a:gd name="T3" fmla="*/ 0 h 157"/>
+                <a:gd name="T4" fmla="*/ 0 w 651"/>
+                <a:gd name="T5" fmla="*/ 12 h 157"/>
+                <a:gd name="T6" fmla="*/ 0 w 651"/>
+                <a:gd name="T7" fmla="*/ 145 h 157"/>
+                <a:gd name="T8" fmla="*/ 12 w 651"/>
+                <a:gd name="T9" fmla="*/ 157 h 157"/>
+                <a:gd name="T10" fmla="*/ 79 w 651"/>
+                <a:gd name="T11" fmla="*/ 157 h 157"/>
+                <a:gd name="T12" fmla="*/ 91 w 651"/>
+                <a:gd name="T13" fmla="*/ 145 h 157"/>
+                <a:gd name="T14" fmla="*/ 91 w 651"/>
+                <a:gd name="T15" fmla="*/ 89 h 157"/>
+                <a:gd name="T16" fmla="*/ 561 w 651"/>
+                <a:gd name="T17" fmla="*/ 89 h 157"/>
+                <a:gd name="T18" fmla="*/ 561 w 651"/>
+                <a:gd name="T19" fmla="*/ 145 h 157"/>
+                <a:gd name="T20" fmla="*/ 574 w 651"/>
+                <a:gd name="T21" fmla="*/ 157 h 157"/>
+                <a:gd name="T22" fmla="*/ 638 w 651"/>
+                <a:gd name="T23" fmla="*/ 157 h 157"/>
+                <a:gd name="T24" fmla="*/ 650 w 651"/>
+                <a:gd name="T25" fmla="*/ 145 h 157"/>
+                <a:gd name="T26" fmla="*/ 650 w 651"/>
+                <a:gd name="T27" fmla="*/ 12 h 157"/>
+                <a:gd name="T28" fmla="*/ 640 w 651"/>
+                <a:gd name="T29" fmla="*/ 0 h 157"/>
+              </a:gdLst>
+              <a:ahLst/>
+              <a:cxnLst>
+                <a:cxn ang="0">
+                  <a:pos x="T0" y="T1"/>
+                </a:cxn>
+                <a:cxn ang="0">
+                  <a:pos x="T2" y="T3"/>
+                </a:cxn>
+                <a:cxn ang="0">
+                  <a:pos x="T4" y="T5"/>
+                </a:cxn>
+                <a:cxn ang="0">
+                  <a:pos x="T6" y="T7"/>
+                </a:cxn>
+                <a:cxn ang="0">
+                  <a:pos x="T8" y="T9"/>
+                </a:cxn>
+                <a:cxn ang="0">
+                  <a:pos x="T10" y="T11"/>
+                </a:cxn>
+                <a:cxn ang="0">
+                  <a:pos x="T12" y="T13"/>
+                </a:cxn>
+                <a:cxn ang="0">
+                  <a:pos x="T14" y="T15"/>
+                </a:cxn>
+                <a:cxn ang="0">
+                  <a:pos x="T16" y="T17"/>
+                </a:cxn>
+                <a:cxn ang="0">
+                  <a:pos x="T18" y="T19"/>
+                </a:cxn>
+                <a:cxn ang="0">
+                  <a:pos x="T20" y="T21"/>
+                </a:cxn>
+                <a:cxn ang="0">
+                  <a:pos x="T22" y="T23"/>
+                </a:cxn>
+                <a:cxn ang="0">
+                  <a:pos x="T24" y="T25"/>
+                </a:cxn>
+                <a:cxn ang="0">
+                  <a:pos x="T26" y="T27"/>
+                </a:cxn>
+                <a:cxn ang="0">
+                  <a:pos x="T28" y="T29"/>
+                </a:cxn>
+              </a:cxnLst>
+              <a:rect l="0" t="0" r="r" b="b"/>
+              <a:pathLst>
+                <a:path w="651" h="157">
+                  <a:moveTo>
+                    <a:pt x="640" y="0"/>
+                  </a:moveTo>
+                  <a:lnTo>
+                    <a:pt x="12" y="0"/>
+                  </a:lnTo>
+                  <a:cubicBezTo>
+                    <a:pt x="5" y="0"/>
+                    <a:pt x="0" y="5"/>
+                    <a:pt x="0" y="12"/>
+                  </a:cubicBezTo>
+                  <a:lnTo>
+                    <a:pt x="0" y="145"/>
+                  </a:lnTo>
+                  <a:cubicBezTo>
+                    <a:pt x="0" y="152"/>
+                    <a:pt x="5" y="157"/>
+                    <a:pt x="12" y="157"/>
+                  </a:cubicBezTo>
+                  <a:lnTo>
+                    <a:pt x="79" y="157"/>
+                  </a:lnTo>
+                  <a:cubicBezTo>
+                    <a:pt x="86" y="157"/>
+                    <a:pt x="91" y="152"/>
+                    <a:pt x="91" y="145"/>
+                  </a:cubicBezTo>
+                  <a:lnTo>
+                    <a:pt x="91" y="89"/>
+                  </a:lnTo>
+                  <a:lnTo>
+                    <a:pt x="561" y="89"/>
+                  </a:lnTo>
+                  <a:lnTo>
+                    <a:pt x="561" y="145"/>
+                  </a:lnTo>
+                  <a:cubicBezTo>
+                    <a:pt x="561" y="152"/>
+                    <a:pt x="566" y="157"/>
+                    <a:pt x="574" y="157"/>
+                  </a:cubicBezTo>
+                  <a:lnTo>
+                    <a:pt x="638" y="157"/>
+                  </a:lnTo>
+                  <a:cubicBezTo>
+                    <a:pt x="645" y="157"/>
+                    <a:pt x="650" y="152"/>
+                    <a:pt x="650" y="145"/>
+                  </a:cubicBezTo>
+                  <a:lnTo>
+                    <a:pt x="650" y="12"/>
+                  </a:lnTo>
+                  <a:cubicBezTo>
+                    <a:pt x="651" y="5"/>
+                    <a:pt x="647" y="0"/>
+                    <a:pt x="640" y="0"/>
+                  </a:cubicBezTo>
+                  <a:close/>
+                </a:path>
+              </a:pathLst>
+            </a:custGeom>
+            <a:solidFill>
+              <a:srgbClr val="0070C0"/>
+            </a:solidFill>
+            <a:ln w="0">
+              <a:noFill/>
+              <a:prstDash val="solid"/>
+              <a:round/>
+              <a:headEnd/>
+              <a:tailEnd/>
+            </a:ln>
+          </p:spPr>
+          <p:txBody>
+            <a:bodyPr vert="horz" wrap="square" lIns="87880" tIns="43940" rIns="87880" bIns="43940" numCol="1" anchor="t" anchorCtr="0" compatLnSpc="1">
+              <a:prstTxWarp prst="textNoShape">
+                <a:avLst/>
+              </a:prstTxWarp>
+            </a:bodyPr>
+            <a:lstStyle/>
+            <a:p>
+              <a:pPr marL="0" marR="0" lvl="0" indent="0" algn="l" defTabSz="585804" rtl="0" eaLnBrk="1" fontAlgn="auto" latinLnBrk="0" hangingPunct="1">
+                <a:lnSpc>
+                  <a:spcPct val="100000"/>
+                </a:lnSpc>
+                <a:spcBef>
+                  <a:spcPts val="0"/>
+                </a:spcBef>
+                <a:spcAft>
+                  <a:spcPts val="0"/>
+                </a:spcAft>
+                <a:buClrTx/>
+                <a:buSzTx/>
+                <a:buFontTx/>
+                <a:buNone/>
+                <a:tabLst/>
+                <a:defRPr/>
+              </a:pPr>
+              <a:endParaRPr kumimoji="0" lang="en-US" sz="1730" b="0" i="0" u="none" strike="noStrike" kern="0" cap="none" spc="0" normalizeH="0" baseline="0" noProof="0">
+                <a:ln>
+                  <a:noFill/>
+                </a:ln>
+                <a:solidFill>
+                  <a:prstClr val="black"/>
+                </a:solidFill>
+                <a:effectLst/>
+                <a:uLnTx/>
+                <a:uFillTx/>
+                <a:latin typeface="Segoe UI"/>
+                <a:ea typeface="+mn-ea"/>
+                <a:cs typeface="+mn-cs"/>
+              </a:endParaRPr>
+            </a:p>
+          </p:txBody>
+        </p:sp>
+        <p:sp>
+          <p:nvSpPr>
+            <p:cNvPr id="12" name="Freeform 177">
+              <a:extLst>
+                <a:ext uri="{FF2B5EF4-FFF2-40B4-BE49-F238E27FC236}">
+                  <a16:creationId xmlns:a16="http://schemas.microsoft.com/office/drawing/2014/main" id="{A784F38A-FBC5-45CF-9897-0CD21F11AFF3}"/>
+                </a:ext>
+              </a:extLst>
+            </p:cNvPr>
+            <p:cNvSpPr>
+              <a:spLocks/>
+            </p:cNvSpPr>
+            <p:nvPr/>
+          </p:nvSpPr>
+          <p:spPr bwMode="auto">
+            <a:xfrm>
+              <a:off x="2300069" y="-2927689"/>
+              <a:ext cx="481012" cy="115888"/>
+            </a:xfrm>
+            <a:custGeom>
+              <a:avLst/>
+              <a:gdLst>
+                <a:gd name="T0" fmla="*/ 636 w 649"/>
+                <a:gd name="T1" fmla="*/ 2 h 157"/>
+                <a:gd name="T2" fmla="*/ 572 w 649"/>
+                <a:gd name="T3" fmla="*/ 2 h 157"/>
+                <a:gd name="T4" fmla="*/ 560 w 649"/>
+                <a:gd name="T5" fmla="*/ 14 h 157"/>
+                <a:gd name="T6" fmla="*/ 560 w 649"/>
+                <a:gd name="T7" fmla="*/ 68 h 157"/>
+                <a:gd name="T8" fmla="*/ 89 w 649"/>
+                <a:gd name="T9" fmla="*/ 68 h 157"/>
+                <a:gd name="T10" fmla="*/ 89 w 649"/>
+                <a:gd name="T11" fmla="*/ 12 h 157"/>
+                <a:gd name="T12" fmla="*/ 75 w 649"/>
+                <a:gd name="T13" fmla="*/ 0 h 157"/>
+                <a:gd name="T14" fmla="*/ 11 w 649"/>
+                <a:gd name="T15" fmla="*/ 0 h 157"/>
+                <a:gd name="T16" fmla="*/ 0 w 649"/>
+                <a:gd name="T17" fmla="*/ 14 h 157"/>
+                <a:gd name="T18" fmla="*/ 0 w 649"/>
+                <a:gd name="T19" fmla="*/ 145 h 157"/>
+                <a:gd name="T20" fmla="*/ 11 w 649"/>
+                <a:gd name="T21" fmla="*/ 157 h 157"/>
+                <a:gd name="T22" fmla="*/ 638 w 649"/>
+                <a:gd name="T23" fmla="*/ 157 h 157"/>
+                <a:gd name="T24" fmla="*/ 649 w 649"/>
+                <a:gd name="T25" fmla="*/ 145 h 157"/>
+                <a:gd name="T26" fmla="*/ 649 w 649"/>
+                <a:gd name="T27" fmla="*/ 14 h 157"/>
+                <a:gd name="T28" fmla="*/ 636 w 649"/>
+                <a:gd name="T29" fmla="*/ 2 h 157"/>
+              </a:gdLst>
+              <a:ahLst/>
+              <a:cxnLst>
+                <a:cxn ang="0">
+                  <a:pos x="T0" y="T1"/>
+                </a:cxn>
+                <a:cxn ang="0">
+                  <a:pos x="T2" y="T3"/>
+                </a:cxn>
+                <a:cxn ang="0">
+                  <a:pos x="T4" y="T5"/>
+                </a:cxn>
+                <a:cxn ang="0">
+                  <a:pos x="T6" y="T7"/>
+                </a:cxn>
+                <a:cxn ang="0">
+                  <a:pos x="T8" y="T9"/>
+                </a:cxn>
+                <a:cxn ang="0">
+                  <a:pos x="T10" y="T11"/>
+                </a:cxn>
+                <a:cxn ang="0">
+                  <a:pos x="T12" y="T13"/>
+                </a:cxn>
+                <a:cxn ang="0">
+                  <a:pos x="T14" y="T15"/>
+                </a:cxn>
+                <a:cxn ang="0">
+                  <a:pos x="T16" y="T17"/>
+                </a:cxn>
+                <a:cxn ang="0">
+                  <a:pos x="T18" y="T19"/>
+                </a:cxn>
+                <a:cxn ang="0">
+                  <a:pos x="T20" y="T21"/>
+                </a:cxn>
+                <a:cxn ang="0">
+                  <a:pos x="T22" y="T23"/>
+                </a:cxn>
+                <a:cxn ang="0">
+                  <a:pos x="T24" y="T25"/>
+                </a:cxn>
+                <a:cxn ang="0">
+                  <a:pos x="T26" y="T27"/>
+                </a:cxn>
+                <a:cxn ang="0">
+                  <a:pos x="T28" y="T29"/>
+                </a:cxn>
+              </a:cxnLst>
+              <a:rect l="0" t="0" r="r" b="b"/>
+              <a:pathLst>
+                <a:path w="649" h="157">
+                  <a:moveTo>
+                    <a:pt x="636" y="2"/>
+                  </a:moveTo>
+                  <a:lnTo>
+                    <a:pt x="572" y="2"/>
+                  </a:lnTo>
+                  <a:cubicBezTo>
+                    <a:pt x="565" y="2"/>
+                    <a:pt x="560" y="7"/>
+                    <a:pt x="560" y="14"/>
+                  </a:cubicBezTo>
+                  <a:lnTo>
+                    <a:pt x="560" y="68"/>
+                  </a:lnTo>
+                  <a:lnTo>
+                    <a:pt x="89" y="68"/>
+                  </a:lnTo>
+                  <a:lnTo>
+                    <a:pt x="89" y="12"/>
+                  </a:lnTo>
+                  <a:cubicBezTo>
+                    <a:pt x="89" y="5"/>
+                    <a:pt x="84" y="0"/>
+                    <a:pt x="75" y="0"/>
+                  </a:cubicBezTo>
+                  <a:lnTo>
+                    <a:pt x="11" y="0"/>
+                  </a:lnTo>
+                  <a:cubicBezTo>
+                    <a:pt x="5" y="0"/>
+                    <a:pt x="0" y="5"/>
+                    <a:pt x="0" y="14"/>
+                  </a:cubicBezTo>
+                  <a:lnTo>
+                    <a:pt x="0" y="145"/>
+                  </a:lnTo>
+                  <a:cubicBezTo>
+                    <a:pt x="0" y="152"/>
+                    <a:pt x="5" y="157"/>
+                    <a:pt x="11" y="157"/>
+                  </a:cubicBezTo>
+                  <a:lnTo>
+                    <a:pt x="638" y="157"/>
+                  </a:lnTo>
+                  <a:cubicBezTo>
+                    <a:pt x="644" y="157"/>
+                    <a:pt x="649" y="152"/>
+                    <a:pt x="649" y="145"/>
+                  </a:cubicBezTo>
+                  <a:lnTo>
+                    <a:pt x="649" y="14"/>
+                  </a:lnTo>
+                  <a:cubicBezTo>
+                    <a:pt x="647" y="7"/>
+                    <a:pt x="643" y="2"/>
+                    <a:pt x="636" y="2"/>
+                  </a:cubicBezTo>
+                  <a:close/>
+                </a:path>
+              </a:pathLst>
+            </a:custGeom>
+            <a:solidFill>
+              <a:srgbClr val="0070C0"/>
+            </a:solidFill>
+            <a:ln w="0">
+              <a:noFill/>
+              <a:prstDash val="solid"/>
+              <a:round/>
+              <a:headEnd/>
+              <a:tailEnd/>
+            </a:ln>
+          </p:spPr>
+          <p:txBody>
+            <a:bodyPr vert="horz" wrap="square" lIns="87880" tIns="43940" rIns="87880" bIns="43940" numCol="1" anchor="t" anchorCtr="0" compatLnSpc="1">
+              <a:prstTxWarp prst="textNoShape">
+                <a:avLst/>
+              </a:prstTxWarp>
+            </a:bodyPr>
+            <a:lstStyle/>
+            <a:p>
+              <a:pPr marL="0" marR="0" lvl="0" indent="0" algn="l" defTabSz="585804" rtl="0" eaLnBrk="1" fontAlgn="auto" latinLnBrk="0" hangingPunct="1">
+                <a:lnSpc>
+                  <a:spcPct val="100000"/>
+                </a:lnSpc>
+                <a:spcBef>
+                  <a:spcPts val="0"/>
+                </a:spcBef>
+                <a:spcAft>
+                  <a:spcPts val="0"/>
+                </a:spcAft>
+                <a:buClrTx/>
+                <a:buSzTx/>
+                <a:buFontTx/>
+                <a:buNone/>
+                <a:tabLst/>
+                <a:defRPr/>
+              </a:pPr>
+              <a:endParaRPr kumimoji="0" lang="en-US" sz="1730" b="0" i="0" u="none" strike="noStrike" kern="0" cap="none" spc="0" normalizeH="0" baseline="0" noProof="0">
+                <a:ln>
+                  <a:noFill/>
+                </a:ln>
+                <a:solidFill>
+                  <a:prstClr val="black"/>
+                </a:solidFill>
+                <a:effectLst/>
+                <a:uLnTx/>
+                <a:uFillTx/>
+                <a:latin typeface="Segoe UI"/>
+                <a:ea typeface="+mn-ea"/>
+                <a:cs typeface="+mn-cs"/>
+              </a:endParaRPr>
+            </a:p>
+          </p:txBody>
+        </p:sp>
+        <p:sp>
+          <p:nvSpPr>
+            <p:cNvPr id="13" name="Freeform 178">
+              <a:extLst>
+                <a:ext uri="{FF2B5EF4-FFF2-40B4-BE49-F238E27FC236}">
+                  <a16:creationId xmlns:a16="http://schemas.microsoft.com/office/drawing/2014/main" id="{480A19FC-94B0-448F-8528-33934C179DDF}"/>
+                </a:ext>
+              </a:extLst>
+            </p:cNvPr>
+            <p:cNvSpPr>
+              <a:spLocks/>
+            </p:cNvSpPr>
+            <p:nvPr/>
+          </p:nvSpPr>
+          <p:spPr bwMode="auto">
+            <a:xfrm>
+              <a:off x="2398494" y="-3092789"/>
+              <a:ext cx="82550" cy="65088"/>
+            </a:xfrm>
+            <a:custGeom>
+              <a:avLst/>
+              <a:gdLst>
+                <a:gd name="T0" fmla="*/ 111 w 111"/>
+                <a:gd name="T1" fmla="*/ 76 h 87"/>
+                <a:gd name="T2" fmla="*/ 99 w 111"/>
+                <a:gd name="T3" fmla="*/ 87 h 87"/>
+                <a:gd name="T4" fmla="*/ 12 w 111"/>
+                <a:gd name="T5" fmla="*/ 87 h 87"/>
+                <a:gd name="T6" fmla="*/ 0 w 111"/>
+                <a:gd name="T7" fmla="*/ 76 h 87"/>
+                <a:gd name="T8" fmla="*/ 0 w 111"/>
+                <a:gd name="T9" fmla="*/ 11 h 87"/>
+                <a:gd name="T10" fmla="*/ 12 w 111"/>
+                <a:gd name="T11" fmla="*/ 0 h 87"/>
+                <a:gd name="T12" fmla="*/ 99 w 111"/>
+                <a:gd name="T13" fmla="*/ 0 h 87"/>
+                <a:gd name="T14" fmla="*/ 111 w 111"/>
+                <a:gd name="T15" fmla="*/ 11 h 87"/>
+                <a:gd name="T16" fmla="*/ 111 w 111"/>
+                <a:gd name="T17" fmla="*/ 76 h 87"/>
+              </a:gdLst>
+              <a:ahLst/>
+              <a:cxnLst>
+                <a:cxn ang="0">
+                  <a:pos x="T0" y="T1"/>
+                </a:cxn>
+                <a:cxn ang="0">
+                  <a:pos x="T2" y="T3"/>
+                </a:cxn>
+                <a:cxn ang="0">
+                  <a:pos x="T4" y="T5"/>
+                </a:cxn>
+                <a:cxn ang="0">
+                  <a:pos x="T6" y="T7"/>
+                </a:cxn>
+                <a:cxn ang="0">
+                  <a:pos x="T8" y="T9"/>
+                </a:cxn>
+                <a:cxn ang="0">
+                  <a:pos x="T10" y="T11"/>
+                </a:cxn>
+                <a:cxn ang="0">
+                  <a:pos x="T12" y="T13"/>
+                </a:cxn>
+                <a:cxn ang="0">
+                  <a:pos x="T14" y="T15"/>
+                </a:cxn>
+                <a:cxn ang="0">
+                  <a:pos x="T16" y="T17"/>
+                </a:cxn>
+              </a:cxnLst>
+              <a:rect l="0" t="0" r="r" b="b"/>
+              <a:pathLst>
+                <a:path w="111" h="87">
+                  <a:moveTo>
+                    <a:pt x="111" y="76"/>
+                  </a:moveTo>
+                  <a:cubicBezTo>
+                    <a:pt x="111" y="82"/>
+                    <a:pt x="106" y="87"/>
+                    <a:pt x="99" y="87"/>
+                  </a:cubicBezTo>
+                  <a:lnTo>
+                    <a:pt x="12" y="87"/>
+                  </a:lnTo>
+                  <a:cubicBezTo>
+                    <a:pt x="5" y="87"/>
+                    <a:pt x="0" y="82"/>
+                    <a:pt x="0" y="76"/>
+                  </a:cubicBezTo>
+                  <a:lnTo>
+                    <a:pt x="0" y="11"/>
+                  </a:lnTo>
+                  <a:cubicBezTo>
+                    <a:pt x="0" y="5"/>
+                    <a:pt x="5" y="0"/>
+                    <a:pt x="12" y="0"/>
+                  </a:cubicBezTo>
+                  <a:lnTo>
+                    <a:pt x="99" y="0"/>
+                  </a:lnTo>
+                  <a:cubicBezTo>
+                    <a:pt x="106" y="0"/>
+                    <a:pt x="111" y="5"/>
+                    <a:pt x="111" y="11"/>
+                  </a:cubicBezTo>
+                  <a:lnTo>
+                    <a:pt x="111" y="76"/>
+                  </a:lnTo>
+                  <a:close/>
+                </a:path>
+              </a:pathLst>
+            </a:custGeom>
+            <a:solidFill>
+              <a:srgbClr val="0070C0"/>
+            </a:solidFill>
+            <a:ln w="0">
+              <a:noFill/>
+              <a:prstDash val="solid"/>
+              <a:round/>
+              <a:headEnd/>
+              <a:tailEnd/>
+            </a:ln>
+          </p:spPr>
+          <p:txBody>
+            <a:bodyPr vert="horz" wrap="square" lIns="87880" tIns="43940" rIns="87880" bIns="43940" numCol="1" anchor="t" anchorCtr="0" compatLnSpc="1">
+              <a:prstTxWarp prst="textNoShape">
+                <a:avLst/>
+              </a:prstTxWarp>
+            </a:bodyPr>
+            <a:lstStyle/>
+            <a:p>
+              <a:pPr marL="0" marR="0" lvl="0" indent="0" algn="l" defTabSz="585804" rtl="0" eaLnBrk="1" fontAlgn="auto" latinLnBrk="0" hangingPunct="1">
+                <a:lnSpc>
+                  <a:spcPct val="100000"/>
+                </a:lnSpc>
+                <a:spcBef>
+                  <a:spcPts val="0"/>
+                </a:spcBef>
+                <a:spcAft>
+                  <a:spcPts val="0"/>
+                </a:spcAft>
+                <a:buClrTx/>
+                <a:buSzTx/>
+                <a:buFontTx/>
+                <a:buNone/>
+                <a:tabLst/>
+                <a:defRPr/>
+              </a:pPr>
+              <a:endParaRPr kumimoji="0" lang="en-US" sz="1730" b="0" i="0" u="none" strike="noStrike" kern="0" cap="none" spc="0" normalizeH="0" baseline="0" noProof="0">
+                <a:ln>
+                  <a:noFill/>
+                </a:ln>
+                <a:solidFill>
+                  <a:prstClr val="black"/>
+                </a:solidFill>
+                <a:effectLst/>
+                <a:uLnTx/>
+                <a:uFillTx/>
+                <a:latin typeface="Segoe UI"/>
+                <a:ea typeface="+mn-ea"/>
+                <a:cs typeface="+mn-cs"/>
+              </a:endParaRPr>
+            </a:p>
+          </p:txBody>
+        </p:sp>
+        <p:sp>
+          <p:nvSpPr>
+            <p:cNvPr id="14" name="Freeform 179">
+              <a:extLst>
+                <a:ext uri="{FF2B5EF4-FFF2-40B4-BE49-F238E27FC236}">
+                  <a16:creationId xmlns:a16="http://schemas.microsoft.com/office/drawing/2014/main" id="{D9CD1566-9A4A-49E9-9D3B-D8ADF67D88BF}"/>
+                </a:ext>
+              </a:extLst>
+            </p:cNvPr>
+            <p:cNvSpPr>
+              <a:spLocks/>
+            </p:cNvSpPr>
+            <p:nvPr/>
+          </p:nvSpPr>
+          <p:spPr bwMode="auto">
+            <a:xfrm>
+              <a:off x="2396907" y="-2992776"/>
+              <a:ext cx="82550" cy="65088"/>
+            </a:xfrm>
+            <a:custGeom>
+              <a:avLst/>
+              <a:gdLst>
+                <a:gd name="T0" fmla="*/ 110 w 110"/>
+                <a:gd name="T1" fmla="*/ 76 h 87"/>
+                <a:gd name="T2" fmla="*/ 98 w 110"/>
+                <a:gd name="T3" fmla="*/ 87 h 87"/>
+                <a:gd name="T4" fmla="*/ 11 w 110"/>
+                <a:gd name="T5" fmla="*/ 87 h 87"/>
+                <a:gd name="T6" fmla="*/ 0 w 110"/>
+                <a:gd name="T7" fmla="*/ 76 h 87"/>
+                <a:gd name="T8" fmla="*/ 0 w 110"/>
+                <a:gd name="T9" fmla="*/ 12 h 87"/>
+                <a:gd name="T10" fmla="*/ 11 w 110"/>
+                <a:gd name="T11" fmla="*/ 0 h 87"/>
+                <a:gd name="T12" fmla="*/ 98 w 110"/>
+                <a:gd name="T13" fmla="*/ 0 h 87"/>
+                <a:gd name="T14" fmla="*/ 110 w 110"/>
+                <a:gd name="T15" fmla="*/ 12 h 87"/>
+                <a:gd name="T16" fmla="*/ 110 w 110"/>
+                <a:gd name="T17" fmla="*/ 76 h 87"/>
+              </a:gdLst>
+              <a:ahLst/>
+              <a:cxnLst>
+                <a:cxn ang="0">
+                  <a:pos x="T0" y="T1"/>
+                </a:cxn>
+                <a:cxn ang="0">
+                  <a:pos x="T2" y="T3"/>
+                </a:cxn>
+                <a:cxn ang="0">
+                  <a:pos x="T4" y="T5"/>
+                </a:cxn>
+                <a:cxn ang="0">
+                  <a:pos x="T6" y="T7"/>
+                </a:cxn>
+                <a:cxn ang="0">
+                  <a:pos x="T8" y="T9"/>
+                </a:cxn>
+                <a:cxn ang="0">
+                  <a:pos x="T10" y="T11"/>
+                </a:cxn>
+                <a:cxn ang="0">
+                  <a:pos x="T12" y="T13"/>
+                </a:cxn>
+                <a:cxn ang="0">
+                  <a:pos x="T14" y="T15"/>
+                </a:cxn>
+                <a:cxn ang="0">
+                  <a:pos x="T16" y="T17"/>
+                </a:cxn>
+              </a:cxnLst>
+              <a:rect l="0" t="0" r="r" b="b"/>
+              <a:pathLst>
+                <a:path w="110" h="87">
+                  <a:moveTo>
+                    <a:pt x="110" y="76"/>
+                  </a:moveTo>
+                  <a:cubicBezTo>
+                    <a:pt x="110" y="82"/>
+                    <a:pt x="105" y="87"/>
+                    <a:pt x="98" y="87"/>
+                  </a:cubicBezTo>
+                  <a:lnTo>
+                    <a:pt x="11" y="87"/>
+                  </a:lnTo>
+                  <a:cubicBezTo>
+                    <a:pt x="4" y="87"/>
+                    <a:pt x="0" y="82"/>
+                    <a:pt x="0" y="76"/>
+                  </a:cubicBezTo>
+                  <a:lnTo>
+                    <a:pt x="0" y="12"/>
+                  </a:lnTo>
+                  <a:cubicBezTo>
+                    <a:pt x="0" y="5"/>
+                    <a:pt x="4" y="0"/>
+                    <a:pt x="11" y="0"/>
+                  </a:cubicBezTo>
+                  <a:lnTo>
+                    <a:pt x="98" y="0"/>
+                  </a:lnTo>
+                  <a:cubicBezTo>
+                    <a:pt x="105" y="0"/>
+                    <a:pt x="110" y="5"/>
+                    <a:pt x="110" y="12"/>
+                  </a:cubicBezTo>
+                  <a:lnTo>
+                    <a:pt x="110" y="76"/>
+                  </a:lnTo>
+                  <a:close/>
+                </a:path>
+              </a:pathLst>
+            </a:custGeom>
+            <a:solidFill>
+              <a:srgbClr val="0070C0"/>
+            </a:solidFill>
+            <a:ln w="0">
+              <a:noFill/>
+              <a:prstDash val="solid"/>
+              <a:round/>
+              <a:headEnd/>
+              <a:tailEnd/>
+            </a:ln>
+          </p:spPr>
+          <p:txBody>
+            <a:bodyPr vert="horz" wrap="square" lIns="87880" tIns="43940" rIns="87880" bIns="43940" numCol="1" anchor="t" anchorCtr="0" compatLnSpc="1">
+              <a:prstTxWarp prst="textNoShape">
+                <a:avLst/>
+              </a:prstTxWarp>
+            </a:bodyPr>
+            <a:lstStyle/>
+            <a:p>
+              <a:pPr marL="0" marR="0" lvl="0" indent="0" algn="l" defTabSz="585804" rtl="0" eaLnBrk="1" fontAlgn="auto" latinLnBrk="0" hangingPunct="1">
+                <a:lnSpc>
+                  <a:spcPct val="100000"/>
+                </a:lnSpc>
+                <a:spcBef>
+                  <a:spcPts val="0"/>
+                </a:spcBef>
+                <a:spcAft>
+                  <a:spcPts val="0"/>
+                </a:spcAft>
+                <a:buClrTx/>
+                <a:buSzTx/>
+                <a:buFontTx/>
+                <a:buNone/>
+                <a:tabLst/>
+                <a:defRPr/>
+              </a:pPr>
+              <a:endParaRPr kumimoji="0" lang="en-US" sz="1730" b="0" i="0" u="none" strike="noStrike" kern="0" cap="none" spc="0" normalizeH="0" baseline="0" noProof="0">
+                <a:ln>
+                  <a:noFill/>
+                </a:ln>
+                <a:solidFill>
+                  <a:prstClr val="black"/>
+                </a:solidFill>
+                <a:effectLst/>
+                <a:uLnTx/>
+                <a:uFillTx/>
+                <a:latin typeface="Segoe UI"/>
+                <a:ea typeface="+mn-ea"/>
+                <a:cs typeface="+mn-cs"/>
+              </a:endParaRPr>
+            </a:p>
+          </p:txBody>
+        </p:sp>
+      </p:grpSp>
+      <p:sp>
+        <p:nvSpPr>
+          <p:cNvPr id="15" name="Rectangle 180">
+            <a:extLst>
+              <a:ext uri="{FF2B5EF4-FFF2-40B4-BE49-F238E27FC236}">
+                <a16:creationId xmlns:a16="http://schemas.microsoft.com/office/drawing/2014/main" id="{67CC2F58-39F2-4B49-9425-619FCFE7F7C4}"/>
+              </a:ext>
+            </a:extLst>
+          </p:cNvPr>
+          <p:cNvSpPr>
+            <a:spLocks noChangeArrowheads="1"/>
+          </p:cNvSpPr>
+          <p:nvPr/>
+        </p:nvSpPr>
+        <p:spPr bwMode="auto">
+          <a:xfrm>
+            <a:off x="9502210" y="4164804"/>
+            <a:ext cx="617781" cy="162687"/>
+          </a:xfrm>
+          <a:prstGeom prst="rect">
+            <a:avLst/>
+          </a:prstGeom>
+          <a:noFill/>
+          <a:ln>
+            <a:noFill/>
+          </a:ln>
+          <a:extLst>
+            <a:ext uri="{909E8E84-426E-40DD-AFC4-6F175D3DCCD1}">
+              <a14:hiddenFill xmlns:a14="http://schemas.microsoft.com/office/drawing/2010/main">
+                <a:solidFill>
+                  <a:srgbClr val="FFFFFF"/>
+                </a:solidFill>
+              </a14:hiddenFill>
+            </a:ext>
+            <a:ext uri="{91240B29-F687-4F45-9708-019B960494DF}">
+              <a14:hiddenLine xmlns:a14="http://schemas.microsoft.com/office/drawing/2010/main" w="9525">
+                <a:solidFill>
+                  <a:srgbClr val="000000"/>
+                </a:solidFill>
+                <a:miter lim="800000"/>
+                <a:headEnd/>
+                <a:tailEnd/>
+              </a14:hiddenLine>
+            </a:ext>
+          </a:extLst>
+        </p:spPr>
+        <p:txBody>
+          <a:bodyPr vert="horz" wrap="none" lIns="0" tIns="0" rIns="0" bIns="0" numCol="1" anchor="t" anchorCtr="0" compatLnSpc="1">
+            <a:prstTxWarp prst="textNoShape">
+              <a:avLst/>
+            </a:prstTxWarp>
+            <a:spAutoFit/>
+          </a:bodyPr>
+          <a:lstStyle>
+            <a:lvl1pPr eaLnBrk="0" fontAlgn="base" hangingPunct="0">
+              <a:spcBef>
+                <a:spcPct val="0"/>
+              </a:spcBef>
+              <a:spcAft>
+                <a:spcPct val="0"/>
+              </a:spcAft>
+              <a:defRPr>
+                <a:solidFill>
+                  <a:schemeClr val="tx1"/>
+                </a:solidFill>
+                <a:latin typeface="Arial" panose="020B0604020202020204" pitchFamily="34" charset="0"/>
+              </a:defRPr>
+            </a:lvl1pPr>
+            <a:lvl2pPr eaLnBrk="0" fontAlgn="base" hangingPunct="0">
+              <a:spcBef>
+                <a:spcPct val="0"/>
+              </a:spcBef>
+              <a:spcAft>
+                <a:spcPct val="0"/>
+              </a:spcAft>
+              <a:defRPr>
+                <a:solidFill>
+                  <a:schemeClr val="tx1"/>
+                </a:solidFill>
+                <a:latin typeface="Arial" panose="020B0604020202020204" pitchFamily="34" charset="0"/>
+              </a:defRPr>
+            </a:lvl2pPr>
+            <a:lvl3pPr eaLnBrk="0" fontAlgn="base" hangingPunct="0">
+              <a:spcBef>
+                <a:spcPct val="0"/>
+              </a:spcBef>
+              <a:spcAft>
+                <a:spcPct val="0"/>
+              </a:spcAft>
+              <a:defRPr>
+                <a:solidFill>
+                  <a:schemeClr val="tx1"/>
+                </a:solidFill>
+                <a:latin typeface="Arial" panose="020B0604020202020204" pitchFamily="34" charset="0"/>
+              </a:defRPr>
+            </a:lvl3pPr>
+            <a:lvl4pPr eaLnBrk="0" fontAlgn="base" hangingPunct="0">
+              <a:spcBef>
+                <a:spcPct val="0"/>
+              </a:spcBef>
+              <a:spcAft>
+                <a:spcPct val="0"/>
+              </a:spcAft>
+              <a:defRPr>
+                <a:solidFill>
+                  <a:schemeClr val="tx1"/>
+                </a:solidFill>
+                <a:latin typeface="Arial" panose="020B0604020202020204" pitchFamily="34" charset="0"/>
+              </a:defRPr>
+            </a:lvl4pPr>
+            <a:lvl5pPr eaLnBrk="0" fontAlgn="base" hangingPunct="0">
+              <a:spcBef>
+                <a:spcPct val="0"/>
+              </a:spcBef>
+              <a:spcAft>
+                <a:spcPct val="0"/>
+              </a:spcAft>
+              <a:defRPr>
+                <a:solidFill>
+                  <a:schemeClr val="tx1"/>
+                </a:solidFill>
+                <a:latin typeface="Arial" panose="020B0604020202020204" pitchFamily="34" charset="0"/>
+              </a:defRPr>
+            </a:lvl5pPr>
+            <a:lvl6pPr eaLnBrk="0" fontAlgn="base" hangingPunct="0">
+              <a:spcBef>
+                <a:spcPct val="0"/>
+              </a:spcBef>
+              <a:spcAft>
+                <a:spcPct val="0"/>
+              </a:spcAft>
+              <a:defRPr>
+                <a:solidFill>
+                  <a:schemeClr val="tx1"/>
+                </a:solidFill>
+                <a:latin typeface="Arial" panose="020B0604020202020204" pitchFamily="34" charset="0"/>
+              </a:defRPr>
+            </a:lvl6pPr>
+            <a:lvl7pPr eaLnBrk="0" fontAlgn="base" hangingPunct="0">
+              <a:spcBef>
+                <a:spcPct val="0"/>
+              </a:spcBef>
+              <a:spcAft>
+                <a:spcPct val="0"/>
+              </a:spcAft>
+              <a:defRPr>
+                <a:solidFill>
+                  <a:schemeClr val="tx1"/>
+                </a:solidFill>
+                <a:latin typeface="Arial" panose="020B0604020202020204" pitchFamily="34" charset="0"/>
+              </a:defRPr>
+            </a:lvl7pPr>
+            <a:lvl8pPr eaLnBrk="0" fontAlgn="base" hangingPunct="0">
+              <a:spcBef>
+                <a:spcPct val="0"/>
+              </a:spcBef>
+              <a:spcAft>
+                <a:spcPct val="0"/>
+              </a:spcAft>
+              <a:defRPr>
+                <a:solidFill>
+                  <a:schemeClr val="tx1"/>
+                </a:solidFill>
+                <a:latin typeface="Arial" panose="020B0604020202020204" pitchFamily="34" charset="0"/>
+              </a:defRPr>
+            </a:lvl8pPr>
+            <a:lvl9pPr eaLnBrk="0" fontAlgn="base" hangingPunct="0">
+              <a:spcBef>
+                <a:spcPct val="0"/>
+              </a:spcBef>
+              <a:spcAft>
+                <a:spcPct val="0"/>
+              </a:spcAft>
+              <a:defRPr>
+                <a:solidFill>
+                  <a:schemeClr val="tx1"/>
+                </a:solidFill>
+                <a:latin typeface="Arial" panose="020B0604020202020204" pitchFamily="34" charset="0"/>
+              </a:defRPr>
+            </a:lvl9pPr>
+          </a:lstStyle>
+          <a:p>
+            <a:pPr marL="0" marR="0" lvl="0" indent="0" algn="l" defTabSz="585804" rtl="0" eaLnBrk="0" fontAlgn="base" latinLnBrk="0" hangingPunct="0">
+              <a:lnSpc>
+                <a:spcPct val="100000"/>
+              </a:lnSpc>
+              <a:spcBef>
+                <a:spcPct val="0"/>
+              </a:spcBef>
+              <a:spcAft>
+                <a:spcPct val="0"/>
+              </a:spcAft>
+              <a:buClrTx/>
+              <a:buSzTx/>
+              <a:buFontTx/>
+              <a:buNone/>
+              <a:tabLst/>
+              <a:defRPr/>
+            </a:pPr>
+            <a:r>
+              <a:rPr kumimoji="0" lang="en-US" altLang="en-US" sz="1057" b="0" i="0" u="none" strike="noStrike" kern="0" cap="none" spc="0" normalizeH="0" baseline="0" noProof="0" dirty="0">
+                <a:ln>
+                  <a:noFill/>
+                </a:ln>
+                <a:solidFill>
+                  <a:srgbClr val="0078D7"/>
+                </a:solidFill>
+                <a:effectLst/>
+                <a:uLnTx/>
+                <a:uFillTx/>
+                <a:latin typeface="Segoe UI" panose="020B0502040204020203" pitchFamily="34" charset="0"/>
+                <a:ea typeface="+mn-ea"/>
+                <a:cs typeface="+mn-cs"/>
+              </a:rPr>
+              <a:t>Event Hub</a:t>
+            </a:r>
+            <a:endParaRPr kumimoji="0" lang="en-US" altLang="en-US" sz="1730" b="0" i="0" u="none" strike="noStrike" kern="0" cap="none" spc="0" normalizeH="0" baseline="0" noProof="0" dirty="0">
+              <a:ln>
+                <a:noFill/>
+              </a:ln>
+              <a:solidFill>
+                <a:prstClr val="black"/>
+              </a:solidFill>
+              <a:effectLst/>
+              <a:uLnTx/>
+              <a:uFillTx/>
+              <a:latin typeface="Arial" panose="020B0604020202020204" pitchFamily="34" charset="0"/>
+              <a:ea typeface="+mn-ea"/>
+              <a:cs typeface="+mn-cs"/>
+            </a:endParaRPr>
+          </a:p>
+        </p:txBody>
+      </p:sp>
+      <p:grpSp>
+        <p:nvGrpSpPr>
+          <p:cNvPr id="16" name="Group 15">
+            <a:extLst>
+              <a:ext uri="{FF2B5EF4-FFF2-40B4-BE49-F238E27FC236}">
+                <a16:creationId xmlns:a16="http://schemas.microsoft.com/office/drawing/2014/main" id="{00CC3AFB-A658-4942-BE3E-DE2C12743DE5}"/>
+              </a:ext>
+            </a:extLst>
+          </p:cNvPr>
+          <p:cNvGrpSpPr/>
+          <p:nvPr/>
+        </p:nvGrpSpPr>
+        <p:grpSpPr>
+          <a:xfrm>
+            <a:off x="8109807" y="3642173"/>
+            <a:ext cx="616381" cy="479070"/>
+            <a:chOff x="1107857" y="-3310276"/>
+            <a:chExt cx="641349" cy="498475"/>
+          </a:xfrm>
+        </p:grpSpPr>
+        <p:sp>
+          <p:nvSpPr>
+            <p:cNvPr id="17" name="Freeform 236">
+              <a:extLst>
+                <a:ext uri="{FF2B5EF4-FFF2-40B4-BE49-F238E27FC236}">
+                  <a16:creationId xmlns:a16="http://schemas.microsoft.com/office/drawing/2014/main" id="{A427ED52-5CDA-4B51-BEDC-69CB99C8271B}"/>
+                </a:ext>
+              </a:extLst>
+            </p:cNvPr>
+            <p:cNvSpPr>
+              <a:spLocks/>
+            </p:cNvSpPr>
+            <p:nvPr/>
+          </p:nvSpPr>
+          <p:spPr bwMode="auto">
+            <a:xfrm>
+              <a:off x="1296769" y="-3310276"/>
+              <a:ext cx="452437" cy="498475"/>
+            </a:xfrm>
+            <a:custGeom>
+              <a:avLst/>
+              <a:gdLst>
+                <a:gd name="T0" fmla="*/ 493 w 610"/>
+                <a:gd name="T1" fmla="*/ 455 h 669"/>
+                <a:gd name="T2" fmla="*/ 516 w 610"/>
+                <a:gd name="T3" fmla="*/ 402 h 669"/>
+                <a:gd name="T4" fmla="*/ 610 w 610"/>
+                <a:gd name="T5" fmla="*/ 369 h 669"/>
+                <a:gd name="T6" fmla="*/ 610 w 610"/>
+                <a:gd name="T7" fmla="*/ 293 h 669"/>
+                <a:gd name="T8" fmla="*/ 600 w 610"/>
+                <a:gd name="T9" fmla="*/ 290 h 669"/>
+                <a:gd name="T10" fmla="*/ 517 w 610"/>
+                <a:gd name="T11" fmla="*/ 262 h 669"/>
+                <a:gd name="T12" fmla="*/ 494 w 610"/>
+                <a:gd name="T13" fmla="*/ 209 h 669"/>
+                <a:gd name="T14" fmla="*/ 537 w 610"/>
+                <a:gd name="T15" fmla="*/ 120 h 669"/>
+                <a:gd name="T16" fmla="*/ 484 w 610"/>
+                <a:gd name="T17" fmla="*/ 67 h 669"/>
+                <a:gd name="T18" fmla="*/ 473 w 610"/>
+                <a:gd name="T19" fmla="*/ 74 h 669"/>
+                <a:gd name="T20" fmla="*/ 395 w 610"/>
+                <a:gd name="T21" fmla="*/ 114 h 669"/>
+                <a:gd name="T22" fmla="*/ 343 w 610"/>
+                <a:gd name="T23" fmla="*/ 91 h 669"/>
+                <a:gd name="T24" fmla="*/ 308 w 610"/>
+                <a:gd name="T25" fmla="*/ 0 h 669"/>
+                <a:gd name="T26" fmla="*/ 230 w 610"/>
+                <a:gd name="T27" fmla="*/ 0 h 669"/>
+                <a:gd name="T28" fmla="*/ 227 w 610"/>
+                <a:gd name="T29" fmla="*/ 10 h 669"/>
+                <a:gd name="T30" fmla="*/ 196 w 610"/>
+                <a:gd name="T31" fmla="*/ 89 h 669"/>
+                <a:gd name="T32" fmla="*/ 143 w 610"/>
+                <a:gd name="T33" fmla="*/ 112 h 669"/>
+                <a:gd name="T34" fmla="*/ 52 w 610"/>
+                <a:gd name="T35" fmla="*/ 72 h 669"/>
+                <a:gd name="T36" fmla="*/ 0 w 610"/>
+                <a:gd name="T37" fmla="*/ 125 h 669"/>
+                <a:gd name="T38" fmla="*/ 5 w 610"/>
+                <a:gd name="T39" fmla="*/ 135 h 669"/>
+                <a:gd name="T40" fmla="*/ 29 w 610"/>
+                <a:gd name="T41" fmla="*/ 181 h 669"/>
+                <a:gd name="T42" fmla="*/ 168 w 610"/>
+                <a:gd name="T43" fmla="*/ 147 h 669"/>
+                <a:gd name="T44" fmla="*/ 346 w 610"/>
+                <a:gd name="T45" fmla="*/ 219 h 669"/>
+                <a:gd name="T46" fmla="*/ 379 w 610"/>
+                <a:gd name="T47" fmla="*/ 247 h 669"/>
+                <a:gd name="T48" fmla="*/ 392 w 610"/>
+                <a:gd name="T49" fmla="*/ 267 h 669"/>
+                <a:gd name="T50" fmla="*/ 357 w 610"/>
+                <a:gd name="T51" fmla="*/ 440 h 669"/>
+                <a:gd name="T52" fmla="*/ 219 w 610"/>
+                <a:gd name="T53" fmla="*/ 460 h 669"/>
+                <a:gd name="T54" fmla="*/ 209 w 610"/>
+                <a:gd name="T55" fmla="*/ 455 h 669"/>
+                <a:gd name="T56" fmla="*/ 179 w 610"/>
+                <a:gd name="T57" fmla="*/ 433 h 669"/>
+                <a:gd name="T58" fmla="*/ 169 w 610"/>
+                <a:gd name="T59" fmla="*/ 430 h 669"/>
+                <a:gd name="T60" fmla="*/ 140 w 610"/>
+                <a:gd name="T61" fmla="*/ 443 h 669"/>
+                <a:gd name="T62" fmla="*/ 136 w 610"/>
+                <a:gd name="T63" fmla="*/ 447 h 669"/>
+                <a:gd name="T64" fmla="*/ 26 w 610"/>
+                <a:gd name="T65" fmla="*/ 517 h 669"/>
+                <a:gd name="T66" fmla="*/ 6 w 610"/>
+                <a:gd name="T67" fmla="*/ 547 h 669"/>
+                <a:gd name="T68" fmla="*/ 61 w 610"/>
+                <a:gd name="T69" fmla="*/ 602 h 669"/>
+                <a:gd name="T70" fmla="*/ 71 w 610"/>
+                <a:gd name="T71" fmla="*/ 597 h 669"/>
+                <a:gd name="T72" fmla="*/ 148 w 610"/>
+                <a:gd name="T73" fmla="*/ 557 h 669"/>
+                <a:gd name="T74" fmla="*/ 201 w 610"/>
+                <a:gd name="T75" fmla="*/ 578 h 669"/>
+                <a:gd name="T76" fmla="*/ 230 w 610"/>
+                <a:gd name="T77" fmla="*/ 669 h 669"/>
+                <a:gd name="T78" fmla="*/ 308 w 610"/>
+                <a:gd name="T79" fmla="*/ 669 h 669"/>
+                <a:gd name="T80" fmla="*/ 311 w 610"/>
+                <a:gd name="T81" fmla="*/ 659 h 669"/>
+                <a:gd name="T82" fmla="*/ 339 w 610"/>
+                <a:gd name="T83" fmla="*/ 578 h 669"/>
+                <a:gd name="T84" fmla="*/ 392 w 610"/>
+                <a:gd name="T85" fmla="*/ 555 h 669"/>
+                <a:gd name="T86" fmla="*/ 483 w 610"/>
+                <a:gd name="T87" fmla="*/ 595 h 669"/>
+                <a:gd name="T88" fmla="*/ 535 w 610"/>
+                <a:gd name="T89" fmla="*/ 542 h 669"/>
+                <a:gd name="T90" fmla="*/ 530 w 610"/>
+                <a:gd name="T91" fmla="*/ 532 h 669"/>
+                <a:gd name="T92" fmla="*/ 493 w 610"/>
+                <a:gd name="T93" fmla="*/ 455 h 669"/>
+              </a:gdLst>
+              <a:ahLst/>
+              <a:cxnLst>
+                <a:cxn ang="0">
+                  <a:pos x="T0" y="T1"/>
+                </a:cxn>
+                <a:cxn ang="0">
+                  <a:pos x="T2" y="T3"/>
+                </a:cxn>
+                <a:cxn ang="0">
+                  <a:pos x="T4" y="T5"/>
+                </a:cxn>
+                <a:cxn ang="0">
+                  <a:pos x="T6" y="T7"/>
+                </a:cxn>
+                <a:cxn ang="0">
+                  <a:pos x="T8" y="T9"/>
+                </a:cxn>
+                <a:cxn ang="0">
+                  <a:pos x="T10" y="T11"/>
+                </a:cxn>
+                <a:cxn ang="0">
+                  <a:pos x="T12" y="T13"/>
+                </a:cxn>
+                <a:cxn ang="0">
+                  <a:pos x="T14" y="T15"/>
+                </a:cxn>
+                <a:cxn ang="0">
+                  <a:pos x="T16" y="T17"/>
+                </a:cxn>
+                <a:cxn ang="0">
+                  <a:pos x="T18" y="T19"/>
+                </a:cxn>
+                <a:cxn ang="0">
+                  <a:pos x="T20" y="T21"/>
+                </a:cxn>
+                <a:cxn ang="0">
+                  <a:pos x="T22" y="T23"/>
+                </a:cxn>
+                <a:cxn ang="0">
+                  <a:pos x="T24" y="T25"/>
+                </a:cxn>
+                <a:cxn ang="0">
+                  <a:pos x="T26" y="T27"/>
+                </a:cxn>
+                <a:cxn ang="0">
+                  <a:pos x="T28" y="T29"/>
+                </a:cxn>
+                <a:cxn ang="0">
+                  <a:pos x="T30" y="T31"/>
+                </a:cxn>
+                <a:cxn ang="0">
+                  <a:pos x="T32" y="T33"/>
+                </a:cxn>
+                <a:cxn ang="0">
+                  <a:pos x="T34" y="T35"/>
+                </a:cxn>
+                <a:cxn ang="0">
+                  <a:pos x="T36" y="T37"/>
+                </a:cxn>
+                <a:cxn ang="0">
+                  <a:pos x="T38" y="T39"/>
+                </a:cxn>
+                <a:cxn ang="0">
+                  <a:pos x="T40" y="T41"/>
+                </a:cxn>
+                <a:cxn ang="0">
+                  <a:pos x="T42" y="T43"/>
+                </a:cxn>
+                <a:cxn ang="0">
+                  <a:pos x="T44" y="T45"/>
+                </a:cxn>
+                <a:cxn ang="0">
+                  <a:pos x="T46" y="T47"/>
+                </a:cxn>
+                <a:cxn ang="0">
+                  <a:pos x="T48" y="T49"/>
+                </a:cxn>
+                <a:cxn ang="0">
+                  <a:pos x="T50" y="T51"/>
+                </a:cxn>
+                <a:cxn ang="0">
+                  <a:pos x="T52" y="T53"/>
+                </a:cxn>
+                <a:cxn ang="0">
+                  <a:pos x="T54" y="T55"/>
+                </a:cxn>
+                <a:cxn ang="0">
+                  <a:pos x="T56" y="T57"/>
+                </a:cxn>
+                <a:cxn ang="0">
+                  <a:pos x="T58" y="T59"/>
+                </a:cxn>
+                <a:cxn ang="0">
+                  <a:pos x="T60" y="T61"/>
+                </a:cxn>
+                <a:cxn ang="0">
+                  <a:pos x="T62" y="T63"/>
+                </a:cxn>
+                <a:cxn ang="0">
+                  <a:pos x="T64" y="T65"/>
+                </a:cxn>
+                <a:cxn ang="0">
+                  <a:pos x="T66" y="T67"/>
+                </a:cxn>
+                <a:cxn ang="0">
+                  <a:pos x="T68" y="T69"/>
+                </a:cxn>
+                <a:cxn ang="0">
+                  <a:pos x="T70" y="T71"/>
+                </a:cxn>
+                <a:cxn ang="0">
+                  <a:pos x="T72" y="T73"/>
+                </a:cxn>
+                <a:cxn ang="0">
+                  <a:pos x="T74" y="T75"/>
+                </a:cxn>
+                <a:cxn ang="0">
+                  <a:pos x="T76" y="T77"/>
+                </a:cxn>
+                <a:cxn ang="0">
+                  <a:pos x="T78" y="T79"/>
+                </a:cxn>
+                <a:cxn ang="0">
+                  <a:pos x="T80" y="T81"/>
+                </a:cxn>
+                <a:cxn ang="0">
+                  <a:pos x="T82" y="T83"/>
+                </a:cxn>
+                <a:cxn ang="0">
+                  <a:pos x="T84" y="T85"/>
+                </a:cxn>
+                <a:cxn ang="0">
+                  <a:pos x="T86" y="T87"/>
+                </a:cxn>
+                <a:cxn ang="0">
+                  <a:pos x="T88" y="T89"/>
+                </a:cxn>
+                <a:cxn ang="0">
+                  <a:pos x="T90" y="T91"/>
+                </a:cxn>
+                <a:cxn ang="0">
+                  <a:pos x="T92" y="T93"/>
+                </a:cxn>
+              </a:cxnLst>
+              <a:rect l="0" t="0" r="r" b="b"/>
+              <a:pathLst>
+                <a:path w="610" h="669">
+                  <a:moveTo>
+                    <a:pt x="493" y="455"/>
+                  </a:moveTo>
+                  <a:lnTo>
+                    <a:pt x="516" y="402"/>
+                  </a:lnTo>
+                  <a:lnTo>
+                    <a:pt x="610" y="369"/>
+                  </a:lnTo>
+                  <a:lnTo>
+                    <a:pt x="610" y="293"/>
+                  </a:lnTo>
+                  <a:lnTo>
+                    <a:pt x="600" y="290"/>
+                  </a:lnTo>
+                  <a:lnTo>
+                    <a:pt x="517" y="262"/>
+                  </a:lnTo>
+                  <a:lnTo>
+                    <a:pt x="494" y="209"/>
+                  </a:lnTo>
+                  <a:lnTo>
+                    <a:pt x="537" y="120"/>
+                  </a:lnTo>
+                  <a:lnTo>
+                    <a:pt x="484" y="67"/>
+                  </a:lnTo>
+                  <a:lnTo>
+                    <a:pt x="473" y="74"/>
+                  </a:lnTo>
+                  <a:lnTo>
+                    <a:pt x="395" y="114"/>
+                  </a:lnTo>
+                  <a:lnTo>
+                    <a:pt x="343" y="91"/>
+                  </a:lnTo>
+                  <a:lnTo>
+                    <a:pt x="308" y="0"/>
+                  </a:lnTo>
+                  <a:lnTo>
+                    <a:pt x="230" y="0"/>
+                  </a:lnTo>
+                  <a:lnTo>
+                    <a:pt x="227" y="10"/>
+                  </a:lnTo>
+                  <a:lnTo>
+                    <a:pt x="196" y="89"/>
+                  </a:lnTo>
+                  <a:lnTo>
+                    <a:pt x="143" y="112"/>
+                  </a:lnTo>
+                  <a:lnTo>
+                    <a:pt x="52" y="72"/>
+                  </a:lnTo>
+                  <a:lnTo>
+                    <a:pt x="0" y="125"/>
+                  </a:lnTo>
+                  <a:lnTo>
+                    <a:pt x="5" y="135"/>
+                  </a:lnTo>
+                  <a:lnTo>
+                    <a:pt x="29" y="181"/>
+                  </a:lnTo>
+                  <a:cubicBezTo>
+                    <a:pt x="72" y="156"/>
+                    <a:pt x="118" y="147"/>
+                    <a:pt x="168" y="147"/>
+                  </a:cubicBezTo>
+                  <a:cubicBezTo>
+                    <a:pt x="235" y="150"/>
+                    <a:pt x="298" y="175"/>
+                    <a:pt x="346" y="219"/>
+                  </a:cubicBezTo>
+                  <a:cubicBezTo>
+                    <a:pt x="356" y="227"/>
+                    <a:pt x="369" y="234"/>
+                    <a:pt x="379" y="247"/>
+                  </a:cubicBezTo>
+                  <a:cubicBezTo>
+                    <a:pt x="384" y="252"/>
+                    <a:pt x="389" y="260"/>
+                    <a:pt x="392" y="267"/>
+                  </a:cubicBezTo>
+                  <a:cubicBezTo>
+                    <a:pt x="425" y="325"/>
+                    <a:pt x="412" y="397"/>
+                    <a:pt x="357" y="440"/>
+                  </a:cubicBezTo>
+                  <a:cubicBezTo>
+                    <a:pt x="318" y="473"/>
+                    <a:pt x="262" y="478"/>
+                    <a:pt x="219" y="460"/>
+                  </a:cubicBezTo>
+                  <a:cubicBezTo>
+                    <a:pt x="214" y="456"/>
+                    <a:pt x="211" y="456"/>
+                    <a:pt x="209" y="455"/>
+                  </a:cubicBezTo>
+                  <a:cubicBezTo>
+                    <a:pt x="199" y="450"/>
+                    <a:pt x="188" y="442"/>
+                    <a:pt x="179" y="433"/>
+                  </a:cubicBezTo>
+                  <a:cubicBezTo>
+                    <a:pt x="176" y="433"/>
+                    <a:pt x="174" y="430"/>
+                    <a:pt x="169" y="430"/>
+                  </a:cubicBezTo>
+                  <a:cubicBezTo>
+                    <a:pt x="160" y="430"/>
+                    <a:pt x="146" y="435"/>
+                    <a:pt x="140" y="443"/>
+                  </a:cubicBezTo>
+                  <a:lnTo>
+                    <a:pt x="136" y="447"/>
+                  </a:lnTo>
+                  <a:cubicBezTo>
+                    <a:pt x="104" y="480"/>
+                    <a:pt x="66" y="504"/>
+                    <a:pt x="26" y="517"/>
+                  </a:cubicBezTo>
+                  <a:lnTo>
+                    <a:pt x="6" y="547"/>
+                  </a:lnTo>
+                  <a:lnTo>
+                    <a:pt x="61" y="602"/>
+                  </a:lnTo>
+                  <a:lnTo>
+                    <a:pt x="71" y="597"/>
+                  </a:lnTo>
+                  <a:lnTo>
+                    <a:pt x="148" y="557"/>
+                  </a:lnTo>
+                  <a:lnTo>
+                    <a:pt x="201" y="578"/>
+                  </a:lnTo>
+                  <a:lnTo>
+                    <a:pt x="230" y="669"/>
+                  </a:lnTo>
+                  <a:lnTo>
+                    <a:pt x="308" y="669"/>
+                  </a:lnTo>
+                  <a:lnTo>
+                    <a:pt x="311" y="659"/>
+                  </a:lnTo>
+                  <a:lnTo>
+                    <a:pt x="339" y="578"/>
+                  </a:lnTo>
+                  <a:lnTo>
+                    <a:pt x="392" y="555"/>
+                  </a:lnTo>
+                  <a:lnTo>
+                    <a:pt x="483" y="595"/>
+                  </a:lnTo>
+                  <a:lnTo>
+                    <a:pt x="535" y="542"/>
+                  </a:lnTo>
+                  <a:lnTo>
+                    <a:pt x="530" y="532"/>
+                  </a:lnTo>
+                  <a:lnTo>
+                    <a:pt x="493" y="455"/>
+                  </a:lnTo>
+                  <a:close/>
+                </a:path>
+              </a:pathLst>
+            </a:custGeom>
+            <a:solidFill>
+              <a:srgbClr val="0070C0"/>
+            </a:solidFill>
+            <a:ln w="0">
+              <a:noFill/>
+              <a:prstDash val="solid"/>
+              <a:round/>
+              <a:headEnd/>
+              <a:tailEnd/>
+            </a:ln>
+          </p:spPr>
+          <p:txBody>
+            <a:bodyPr vert="horz" wrap="square" lIns="87880" tIns="43940" rIns="87880" bIns="43940" numCol="1" anchor="t" anchorCtr="0" compatLnSpc="1">
+              <a:prstTxWarp prst="textNoShape">
+                <a:avLst/>
+              </a:prstTxWarp>
+            </a:bodyPr>
+            <a:lstStyle/>
+            <a:p>
+              <a:pPr marL="0" marR="0" lvl="0" indent="0" algn="l" defTabSz="585804" rtl="0" eaLnBrk="1" fontAlgn="auto" latinLnBrk="0" hangingPunct="1">
+                <a:lnSpc>
+                  <a:spcPct val="100000"/>
+                </a:lnSpc>
+                <a:spcBef>
+                  <a:spcPts val="0"/>
+                </a:spcBef>
+                <a:spcAft>
+                  <a:spcPts val="0"/>
+                </a:spcAft>
+                <a:buClrTx/>
+                <a:buSzTx/>
+                <a:buFontTx/>
+                <a:buNone/>
+                <a:tabLst/>
+                <a:defRPr/>
+              </a:pPr>
+              <a:endParaRPr kumimoji="0" lang="en-US" sz="1730" b="0" i="0" u="none" strike="noStrike" kern="0" cap="none" spc="0" normalizeH="0" baseline="0" noProof="0">
+                <a:ln>
+                  <a:noFill/>
+                </a:ln>
+                <a:solidFill>
+                  <a:prstClr val="black"/>
+                </a:solidFill>
+                <a:effectLst/>
+                <a:uLnTx/>
+                <a:uFillTx/>
+                <a:latin typeface="Segoe UI"/>
+                <a:ea typeface="+mn-ea"/>
+                <a:cs typeface="+mn-cs"/>
+              </a:endParaRPr>
+            </a:p>
+          </p:txBody>
+        </p:sp>
+        <p:sp>
+          <p:nvSpPr>
+            <p:cNvPr id="18" name="Freeform 237">
+              <a:extLst>
+                <a:ext uri="{FF2B5EF4-FFF2-40B4-BE49-F238E27FC236}">
+                  <a16:creationId xmlns:a16="http://schemas.microsoft.com/office/drawing/2014/main" id="{6C2CC29A-A978-4FA8-8FAF-C36E0E9F0973}"/>
+                </a:ext>
+              </a:extLst>
+            </p:cNvPr>
+            <p:cNvSpPr>
+              <a:spLocks/>
+            </p:cNvSpPr>
+            <p:nvPr/>
+          </p:nvSpPr>
+          <p:spPr bwMode="auto">
+            <a:xfrm>
+              <a:off x="1141194" y="-3127714"/>
+              <a:ext cx="371475" cy="133350"/>
+            </a:xfrm>
+            <a:custGeom>
+              <a:avLst/>
+              <a:gdLst>
+                <a:gd name="T0" fmla="*/ 240 w 501"/>
+                <a:gd name="T1" fmla="*/ 76 h 180"/>
+                <a:gd name="T2" fmla="*/ 29 w 501"/>
+                <a:gd name="T3" fmla="*/ 72 h 180"/>
+                <a:gd name="T4" fmla="*/ 5 w 501"/>
+                <a:gd name="T5" fmla="*/ 72 h 180"/>
+                <a:gd name="T6" fmla="*/ 0 w 501"/>
+                <a:gd name="T7" fmla="*/ 86 h 180"/>
+                <a:gd name="T8" fmla="*/ 5 w 501"/>
+                <a:gd name="T9" fmla="*/ 99 h 180"/>
+                <a:gd name="T10" fmla="*/ 263 w 501"/>
+                <a:gd name="T11" fmla="*/ 104 h 180"/>
+                <a:gd name="T12" fmla="*/ 263 w 501"/>
+                <a:gd name="T13" fmla="*/ 100 h 180"/>
+                <a:gd name="T14" fmla="*/ 471 w 501"/>
+                <a:gd name="T15" fmla="*/ 105 h 180"/>
+                <a:gd name="T16" fmla="*/ 496 w 501"/>
+                <a:gd name="T17" fmla="*/ 105 h 180"/>
+                <a:gd name="T18" fmla="*/ 501 w 501"/>
+                <a:gd name="T19" fmla="*/ 92 h 180"/>
+                <a:gd name="T20" fmla="*/ 496 w 501"/>
+                <a:gd name="T21" fmla="*/ 79 h 180"/>
+                <a:gd name="T22" fmla="*/ 240 w 501"/>
+                <a:gd name="T23" fmla="*/ 76 h 180"/>
+              </a:gdLst>
+              <a:ahLst/>
+              <a:cxnLst>
+                <a:cxn ang="0">
+                  <a:pos x="T0" y="T1"/>
+                </a:cxn>
+                <a:cxn ang="0">
+                  <a:pos x="T2" y="T3"/>
+                </a:cxn>
+                <a:cxn ang="0">
+                  <a:pos x="T4" y="T5"/>
+                </a:cxn>
+                <a:cxn ang="0">
+                  <a:pos x="T6" y="T7"/>
+                </a:cxn>
+                <a:cxn ang="0">
+                  <a:pos x="T8" y="T9"/>
+                </a:cxn>
+                <a:cxn ang="0">
+                  <a:pos x="T10" y="T11"/>
+                </a:cxn>
+                <a:cxn ang="0">
+                  <a:pos x="T12" y="T13"/>
+                </a:cxn>
+                <a:cxn ang="0">
+                  <a:pos x="T14" y="T15"/>
+                </a:cxn>
+                <a:cxn ang="0">
+                  <a:pos x="T16" y="T17"/>
+                </a:cxn>
+                <a:cxn ang="0">
+                  <a:pos x="T18" y="T19"/>
+                </a:cxn>
+                <a:cxn ang="0">
+                  <a:pos x="T20" y="T21"/>
+                </a:cxn>
+                <a:cxn ang="0">
+                  <a:pos x="T22" y="T23"/>
+                </a:cxn>
+              </a:cxnLst>
+              <a:rect l="0" t="0" r="r" b="b"/>
+              <a:pathLst>
+                <a:path w="501" h="180">
+                  <a:moveTo>
+                    <a:pt x="240" y="76"/>
+                  </a:moveTo>
+                  <a:cubicBezTo>
+                    <a:pt x="181" y="138"/>
+                    <a:pt x="87" y="138"/>
+                    <a:pt x="29" y="72"/>
+                  </a:cubicBezTo>
+                  <a:cubicBezTo>
+                    <a:pt x="24" y="64"/>
+                    <a:pt x="10" y="64"/>
+                    <a:pt x="5" y="72"/>
+                  </a:cubicBezTo>
+                  <a:cubicBezTo>
+                    <a:pt x="1" y="76"/>
+                    <a:pt x="0" y="81"/>
+                    <a:pt x="0" y="86"/>
+                  </a:cubicBezTo>
+                  <a:cubicBezTo>
+                    <a:pt x="0" y="91"/>
+                    <a:pt x="3" y="95"/>
+                    <a:pt x="5" y="99"/>
+                  </a:cubicBezTo>
+                  <a:cubicBezTo>
+                    <a:pt x="75" y="176"/>
+                    <a:pt x="191" y="180"/>
+                    <a:pt x="263" y="104"/>
+                  </a:cubicBezTo>
+                  <a:lnTo>
+                    <a:pt x="263" y="100"/>
+                  </a:lnTo>
+                  <a:cubicBezTo>
+                    <a:pt x="323" y="41"/>
+                    <a:pt x="415" y="41"/>
+                    <a:pt x="471" y="105"/>
+                  </a:cubicBezTo>
+                  <a:cubicBezTo>
+                    <a:pt x="479" y="114"/>
+                    <a:pt x="491" y="114"/>
+                    <a:pt x="496" y="105"/>
+                  </a:cubicBezTo>
+                  <a:cubicBezTo>
+                    <a:pt x="499" y="102"/>
+                    <a:pt x="501" y="97"/>
+                    <a:pt x="501" y="92"/>
+                  </a:cubicBezTo>
+                  <a:cubicBezTo>
+                    <a:pt x="501" y="87"/>
+                    <a:pt x="497" y="82"/>
+                    <a:pt x="496" y="79"/>
+                  </a:cubicBezTo>
+                  <a:cubicBezTo>
+                    <a:pt x="428" y="1"/>
+                    <a:pt x="313" y="0"/>
+                    <a:pt x="240" y="76"/>
+                  </a:cubicBezTo>
+                  <a:close/>
+                </a:path>
+              </a:pathLst>
+            </a:custGeom>
+            <a:solidFill>
+              <a:srgbClr val="0070C0"/>
+            </a:solidFill>
+            <a:ln w="0">
+              <a:noFill/>
+              <a:prstDash val="solid"/>
+              <a:round/>
+              <a:headEnd/>
+              <a:tailEnd/>
+            </a:ln>
+          </p:spPr>
+          <p:txBody>
+            <a:bodyPr vert="horz" wrap="square" lIns="87880" tIns="43940" rIns="87880" bIns="43940" numCol="1" anchor="t" anchorCtr="0" compatLnSpc="1">
+              <a:prstTxWarp prst="textNoShape">
+                <a:avLst/>
+              </a:prstTxWarp>
+            </a:bodyPr>
+            <a:lstStyle/>
+            <a:p>
+              <a:pPr marL="0" marR="0" lvl="0" indent="0" algn="l" defTabSz="585804" rtl="0" eaLnBrk="1" fontAlgn="auto" latinLnBrk="0" hangingPunct="1">
+                <a:lnSpc>
+                  <a:spcPct val="100000"/>
+                </a:lnSpc>
+                <a:spcBef>
+                  <a:spcPts val="0"/>
+                </a:spcBef>
+                <a:spcAft>
+                  <a:spcPts val="0"/>
+                </a:spcAft>
+                <a:buClrTx/>
+                <a:buSzTx/>
+                <a:buFontTx/>
+                <a:buNone/>
+                <a:tabLst/>
+                <a:defRPr/>
+              </a:pPr>
+              <a:endParaRPr kumimoji="0" lang="en-US" sz="1730" b="0" i="0" u="none" strike="noStrike" kern="0" cap="none" spc="0" normalizeH="0" baseline="0" noProof="0">
+                <a:ln>
+                  <a:noFill/>
+                </a:ln>
+                <a:solidFill>
+                  <a:prstClr val="black"/>
+                </a:solidFill>
+                <a:effectLst/>
+                <a:uLnTx/>
+                <a:uFillTx/>
+                <a:latin typeface="Segoe UI"/>
+                <a:ea typeface="+mn-ea"/>
+                <a:cs typeface="+mn-cs"/>
+              </a:endParaRPr>
+            </a:p>
+          </p:txBody>
+        </p:sp>
+        <p:sp>
+          <p:nvSpPr>
+            <p:cNvPr id="19" name="Freeform 238">
+              <a:extLst>
+                <a:ext uri="{FF2B5EF4-FFF2-40B4-BE49-F238E27FC236}">
+                  <a16:creationId xmlns:a16="http://schemas.microsoft.com/office/drawing/2014/main" id="{C1D05006-D5D9-43BD-AFE9-3A131F805671}"/>
+                </a:ext>
+              </a:extLst>
+            </p:cNvPr>
+            <p:cNvSpPr>
+              <a:spLocks/>
+            </p:cNvSpPr>
+            <p:nvPr/>
+          </p:nvSpPr>
+          <p:spPr bwMode="auto">
+            <a:xfrm>
+              <a:off x="1107857" y="-3048339"/>
+              <a:ext cx="374650" cy="106363"/>
+            </a:xfrm>
+            <a:custGeom>
+              <a:avLst/>
+              <a:gdLst>
+                <a:gd name="T0" fmla="*/ 414 w 506"/>
+                <a:gd name="T1" fmla="*/ 0 h 143"/>
+                <a:gd name="T2" fmla="*/ 331 w 506"/>
+                <a:gd name="T3" fmla="*/ 35 h 143"/>
+                <a:gd name="T4" fmla="*/ 325 w 506"/>
+                <a:gd name="T5" fmla="*/ 41 h 143"/>
+                <a:gd name="T6" fmla="*/ 173 w 506"/>
+                <a:gd name="T7" fmla="*/ 104 h 143"/>
+                <a:gd name="T8" fmla="*/ 25 w 506"/>
+                <a:gd name="T9" fmla="*/ 33 h 143"/>
+                <a:gd name="T10" fmla="*/ 0 w 506"/>
+                <a:gd name="T11" fmla="*/ 33 h 143"/>
+                <a:gd name="T12" fmla="*/ 0 w 506"/>
+                <a:gd name="T13" fmla="*/ 46 h 143"/>
+                <a:gd name="T14" fmla="*/ 5 w 506"/>
+                <a:gd name="T15" fmla="*/ 59 h 143"/>
+                <a:gd name="T16" fmla="*/ 178 w 506"/>
+                <a:gd name="T17" fmla="*/ 140 h 143"/>
+                <a:gd name="T18" fmla="*/ 355 w 506"/>
+                <a:gd name="T19" fmla="*/ 64 h 143"/>
+                <a:gd name="T20" fmla="*/ 361 w 506"/>
+                <a:gd name="T21" fmla="*/ 58 h 143"/>
+                <a:gd name="T22" fmla="*/ 419 w 506"/>
+                <a:gd name="T23" fmla="*/ 33 h 143"/>
+                <a:gd name="T24" fmla="*/ 477 w 506"/>
+                <a:gd name="T25" fmla="*/ 61 h 143"/>
+                <a:gd name="T26" fmla="*/ 501 w 506"/>
+                <a:gd name="T27" fmla="*/ 61 h 143"/>
+                <a:gd name="T28" fmla="*/ 506 w 506"/>
+                <a:gd name="T29" fmla="*/ 48 h 143"/>
+                <a:gd name="T30" fmla="*/ 501 w 506"/>
+                <a:gd name="T31" fmla="*/ 35 h 143"/>
+                <a:gd name="T32" fmla="*/ 414 w 506"/>
+                <a:gd name="T33" fmla="*/ 0 h 143"/>
+              </a:gdLst>
+              <a:ahLst/>
+              <a:cxnLst>
+                <a:cxn ang="0">
+                  <a:pos x="T0" y="T1"/>
+                </a:cxn>
+                <a:cxn ang="0">
+                  <a:pos x="T2" y="T3"/>
+                </a:cxn>
+                <a:cxn ang="0">
+                  <a:pos x="T4" y="T5"/>
+                </a:cxn>
+                <a:cxn ang="0">
+                  <a:pos x="T6" y="T7"/>
+                </a:cxn>
+                <a:cxn ang="0">
+                  <a:pos x="T8" y="T9"/>
+                </a:cxn>
+                <a:cxn ang="0">
+                  <a:pos x="T10" y="T11"/>
+                </a:cxn>
+                <a:cxn ang="0">
+                  <a:pos x="T12" y="T13"/>
+                </a:cxn>
+                <a:cxn ang="0">
+                  <a:pos x="T14" y="T15"/>
+                </a:cxn>
+                <a:cxn ang="0">
+                  <a:pos x="T16" y="T17"/>
+                </a:cxn>
+                <a:cxn ang="0">
+                  <a:pos x="T18" y="T19"/>
+                </a:cxn>
+                <a:cxn ang="0">
+                  <a:pos x="T20" y="T21"/>
+                </a:cxn>
+                <a:cxn ang="0">
+                  <a:pos x="T22" y="T23"/>
+                </a:cxn>
+                <a:cxn ang="0">
+                  <a:pos x="T24" y="T25"/>
+                </a:cxn>
+                <a:cxn ang="0">
+                  <a:pos x="T26" y="T27"/>
+                </a:cxn>
+                <a:cxn ang="0">
+                  <a:pos x="T28" y="T29"/>
+                </a:cxn>
+                <a:cxn ang="0">
+                  <a:pos x="T30" y="T31"/>
+                </a:cxn>
+                <a:cxn ang="0">
+                  <a:pos x="T32" y="T33"/>
+                </a:cxn>
+              </a:cxnLst>
+              <a:rect l="0" t="0" r="r" b="b"/>
+              <a:pathLst>
+                <a:path w="506" h="143">
+                  <a:moveTo>
+                    <a:pt x="414" y="0"/>
+                  </a:moveTo>
+                  <a:cubicBezTo>
+                    <a:pt x="381" y="0"/>
+                    <a:pt x="355" y="10"/>
+                    <a:pt x="331" y="35"/>
+                  </a:cubicBezTo>
+                  <a:lnTo>
+                    <a:pt x="325" y="41"/>
+                  </a:lnTo>
+                  <a:cubicBezTo>
+                    <a:pt x="285" y="84"/>
+                    <a:pt x="229" y="107"/>
+                    <a:pt x="173" y="104"/>
+                  </a:cubicBezTo>
+                  <a:cubicBezTo>
+                    <a:pt x="116" y="104"/>
+                    <a:pt x="64" y="76"/>
+                    <a:pt x="25" y="33"/>
+                  </a:cubicBezTo>
+                  <a:cubicBezTo>
+                    <a:pt x="17" y="25"/>
+                    <a:pt x="5" y="25"/>
+                    <a:pt x="0" y="33"/>
+                  </a:cubicBezTo>
+                  <a:cubicBezTo>
+                    <a:pt x="0" y="36"/>
+                    <a:pt x="0" y="41"/>
+                    <a:pt x="0" y="46"/>
+                  </a:cubicBezTo>
+                  <a:cubicBezTo>
+                    <a:pt x="0" y="51"/>
+                    <a:pt x="3" y="56"/>
+                    <a:pt x="5" y="59"/>
+                  </a:cubicBezTo>
+                  <a:cubicBezTo>
+                    <a:pt x="51" y="110"/>
+                    <a:pt x="112" y="140"/>
+                    <a:pt x="178" y="140"/>
+                  </a:cubicBezTo>
+                  <a:cubicBezTo>
+                    <a:pt x="244" y="143"/>
+                    <a:pt x="303" y="115"/>
+                    <a:pt x="355" y="64"/>
+                  </a:cubicBezTo>
+                  <a:lnTo>
+                    <a:pt x="361" y="58"/>
+                  </a:lnTo>
+                  <a:cubicBezTo>
+                    <a:pt x="376" y="43"/>
+                    <a:pt x="396" y="33"/>
+                    <a:pt x="419" y="33"/>
+                  </a:cubicBezTo>
+                  <a:cubicBezTo>
+                    <a:pt x="442" y="33"/>
+                    <a:pt x="458" y="43"/>
+                    <a:pt x="477" y="61"/>
+                  </a:cubicBezTo>
+                  <a:cubicBezTo>
+                    <a:pt x="485" y="69"/>
+                    <a:pt x="496" y="69"/>
+                    <a:pt x="501" y="61"/>
+                  </a:cubicBezTo>
+                  <a:cubicBezTo>
+                    <a:pt x="505" y="58"/>
+                    <a:pt x="506" y="53"/>
+                    <a:pt x="506" y="48"/>
+                  </a:cubicBezTo>
+                  <a:cubicBezTo>
+                    <a:pt x="506" y="43"/>
+                    <a:pt x="503" y="38"/>
+                    <a:pt x="501" y="35"/>
+                  </a:cubicBezTo>
+                  <a:cubicBezTo>
+                    <a:pt x="477" y="13"/>
+                    <a:pt x="447" y="0"/>
+                    <a:pt x="414" y="0"/>
+                  </a:cubicBezTo>
+                  <a:close/>
+                </a:path>
+              </a:pathLst>
+            </a:custGeom>
+            <a:solidFill>
+              <a:srgbClr val="0070C0"/>
+            </a:solidFill>
+            <a:ln w="0">
+              <a:noFill/>
+              <a:prstDash val="solid"/>
+              <a:round/>
+              <a:headEnd/>
+              <a:tailEnd/>
+            </a:ln>
+          </p:spPr>
+          <p:txBody>
+            <a:bodyPr vert="horz" wrap="square" lIns="87880" tIns="43940" rIns="87880" bIns="43940" numCol="1" anchor="t" anchorCtr="0" compatLnSpc="1">
+              <a:prstTxWarp prst="textNoShape">
+                <a:avLst/>
+              </a:prstTxWarp>
+            </a:bodyPr>
+            <a:lstStyle/>
+            <a:p>
+              <a:pPr marL="0" marR="0" lvl="0" indent="0" algn="l" defTabSz="585804" rtl="0" eaLnBrk="1" fontAlgn="auto" latinLnBrk="0" hangingPunct="1">
+                <a:lnSpc>
+                  <a:spcPct val="100000"/>
+                </a:lnSpc>
+                <a:spcBef>
+                  <a:spcPts val="0"/>
+                </a:spcBef>
+                <a:spcAft>
+                  <a:spcPts val="0"/>
+                </a:spcAft>
+                <a:buClrTx/>
+                <a:buSzTx/>
+                <a:buFontTx/>
+                <a:buNone/>
+                <a:tabLst/>
+                <a:defRPr/>
+              </a:pPr>
+              <a:endParaRPr kumimoji="0" lang="en-US" sz="1730" b="0" i="0" u="none" strike="noStrike" kern="0" cap="none" spc="0" normalizeH="0" baseline="0" noProof="0">
+                <a:ln>
+                  <a:noFill/>
+                </a:ln>
+                <a:solidFill>
+                  <a:prstClr val="black"/>
+                </a:solidFill>
+                <a:effectLst/>
+                <a:uLnTx/>
+                <a:uFillTx/>
+                <a:latin typeface="Segoe UI"/>
+                <a:ea typeface="+mn-ea"/>
+                <a:cs typeface="+mn-cs"/>
+              </a:endParaRPr>
+            </a:p>
+          </p:txBody>
+        </p:sp>
+        <p:sp>
+          <p:nvSpPr>
+            <p:cNvPr id="20" name="Freeform 239">
+              <a:extLst>
+                <a:ext uri="{FF2B5EF4-FFF2-40B4-BE49-F238E27FC236}">
+                  <a16:creationId xmlns:a16="http://schemas.microsoft.com/office/drawing/2014/main" id="{8222F22E-7BFD-4B53-AF98-8B9B563AC3CE}"/>
+                </a:ext>
+              </a:extLst>
+            </p:cNvPr>
+            <p:cNvSpPr>
+              <a:spLocks/>
+            </p:cNvSpPr>
+            <p:nvPr/>
+          </p:nvSpPr>
+          <p:spPr bwMode="auto">
+            <a:xfrm>
+              <a:off x="1174532" y="-3176926"/>
+              <a:ext cx="371475" cy="106363"/>
+            </a:xfrm>
+            <a:custGeom>
+              <a:avLst/>
+              <a:gdLst>
+                <a:gd name="T0" fmla="*/ 499 w 501"/>
+                <a:gd name="T1" fmla="*/ 81 h 143"/>
+                <a:gd name="T2" fmla="*/ 326 w 501"/>
+                <a:gd name="T3" fmla="*/ 0 h 143"/>
+                <a:gd name="T4" fmla="*/ 150 w 501"/>
+                <a:gd name="T5" fmla="*/ 76 h 143"/>
+                <a:gd name="T6" fmla="*/ 143 w 501"/>
+                <a:gd name="T7" fmla="*/ 82 h 143"/>
+                <a:gd name="T8" fmla="*/ 86 w 501"/>
+                <a:gd name="T9" fmla="*/ 107 h 143"/>
+                <a:gd name="T10" fmla="*/ 29 w 501"/>
+                <a:gd name="T11" fmla="*/ 79 h 143"/>
+                <a:gd name="T12" fmla="*/ 5 w 501"/>
+                <a:gd name="T13" fmla="*/ 79 h 143"/>
+                <a:gd name="T14" fmla="*/ 0 w 501"/>
+                <a:gd name="T15" fmla="*/ 92 h 143"/>
+                <a:gd name="T16" fmla="*/ 5 w 501"/>
+                <a:gd name="T17" fmla="*/ 105 h 143"/>
+                <a:gd name="T18" fmla="*/ 86 w 501"/>
+                <a:gd name="T19" fmla="*/ 143 h 143"/>
+                <a:gd name="T20" fmla="*/ 168 w 501"/>
+                <a:gd name="T21" fmla="*/ 109 h 143"/>
+                <a:gd name="T22" fmla="*/ 171 w 501"/>
+                <a:gd name="T23" fmla="*/ 105 h 143"/>
+                <a:gd name="T24" fmla="*/ 175 w 501"/>
+                <a:gd name="T25" fmla="*/ 102 h 143"/>
+                <a:gd name="T26" fmla="*/ 326 w 501"/>
+                <a:gd name="T27" fmla="*/ 36 h 143"/>
+                <a:gd name="T28" fmla="*/ 471 w 501"/>
+                <a:gd name="T29" fmla="*/ 107 h 143"/>
+                <a:gd name="T30" fmla="*/ 496 w 501"/>
+                <a:gd name="T31" fmla="*/ 107 h 143"/>
+                <a:gd name="T32" fmla="*/ 501 w 501"/>
+                <a:gd name="T33" fmla="*/ 94 h 143"/>
+                <a:gd name="T34" fmla="*/ 499 w 501"/>
+                <a:gd name="T35" fmla="*/ 81 h 143"/>
+              </a:gdLst>
+              <a:ahLst/>
+              <a:cxnLst>
+                <a:cxn ang="0">
+                  <a:pos x="T0" y="T1"/>
+                </a:cxn>
+                <a:cxn ang="0">
+                  <a:pos x="T2" y="T3"/>
+                </a:cxn>
+                <a:cxn ang="0">
+                  <a:pos x="T4" y="T5"/>
+                </a:cxn>
+                <a:cxn ang="0">
+                  <a:pos x="T6" y="T7"/>
+                </a:cxn>
+                <a:cxn ang="0">
+                  <a:pos x="T8" y="T9"/>
+                </a:cxn>
+                <a:cxn ang="0">
+                  <a:pos x="T10" y="T11"/>
+                </a:cxn>
+                <a:cxn ang="0">
+                  <a:pos x="T12" y="T13"/>
+                </a:cxn>
+                <a:cxn ang="0">
+                  <a:pos x="T14" y="T15"/>
+                </a:cxn>
+                <a:cxn ang="0">
+                  <a:pos x="T16" y="T17"/>
+                </a:cxn>
+                <a:cxn ang="0">
+                  <a:pos x="T18" y="T19"/>
+                </a:cxn>
+                <a:cxn ang="0">
+                  <a:pos x="T20" y="T21"/>
+                </a:cxn>
+                <a:cxn ang="0">
+                  <a:pos x="T22" y="T23"/>
+                </a:cxn>
+                <a:cxn ang="0">
+                  <a:pos x="T24" y="T25"/>
+                </a:cxn>
+                <a:cxn ang="0">
+                  <a:pos x="T26" y="T27"/>
+                </a:cxn>
+                <a:cxn ang="0">
+                  <a:pos x="T28" y="T29"/>
+                </a:cxn>
+                <a:cxn ang="0">
+                  <a:pos x="T30" y="T31"/>
+                </a:cxn>
+                <a:cxn ang="0">
+                  <a:pos x="T32" y="T33"/>
+                </a:cxn>
+                <a:cxn ang="0">
+                  <a:pos x="T34" y="T35"/>
+                </a:cxn>
+              </a:cxnLst>
+              <a:rect l="0" t="0" r="r" b="b"/>
+              <a:pathLst>
+                <a:path w="501" h="143">
+                  <a:moveTo>
+                    <a:pt x="499" y="81"/>
+                  </a:moveTo>
+                  <a:cubicBezTo>
+                    <a:pt x="453" y="30"/>
+                    <a:pt x="390" y="0"/>
+                    <a:pt x="326" y="0"/>
+                  </a:cubicBezTo>
+                  <a:cubicBezTo>
+                    <a:pt x="262" y="0"/>
+                    <a:pt x="201" y="25"/>
+                    <a:pt x="150" y="76"/>
+                  </a:cubicBezTo>
+                  <a:lnTo>
+                    <a:pt x="143" y="82"/>
+                  </a:lnTo>
+                  <a:cubicBezTo>
+                    <a:pt x="128" y="97"/>
+                    <a:pt x="109" y="107"/>
+                    <a:pt x="86" y="107"/>
+                  </a:cubicBezTo>
+                  <a:cubicBezTo>
+                    <a:pt x="62" y="107"/>
+                    <a:pt x="48" y="96"/>
+                    <a:pt x="29" y="79"/>
+                  </a:cubicBezTo>
+                  <a:cubicBezTo>
+                    <a:pt x="21" y="71"/>
+                    <a:pt x="10" y="71"/>
+                    <a:pt x="5" y="79"/>
+                  </a:cubicBezTo>
+                  <a:cubicBezTo>
+                    <a:pt x="1" y="82"/>
+                    <a:pt x="0" y="87"/>
+                    <a:pt x="0" y="92"/>
+                  </a:cubicBezTo>
+                  <a:cubicBezTo>
+                    <a:pt x="0" y="97"/>
+                    <a:pt x="3" y="102"/>
+                    <a:pt x="5" y="105"/>
+                  </a:cubicBezTo>
+                  <a:cubicBezTo>
+                    <a:pt x="28" y="130"/>
+                    <a:pt x="56" y="143"/>
+                    <a:pt x="86" y="143"/>
+                  </a:cubicBezTo>
+                  <a:cubicBezTo>
+                    <a:pt x="118" y="143"/>
+                    <a:pt x="145" y="133"/>
+                    <a:pt x="168" y="109"/>
+                  </a:cubicBezTo>
+                  <a:lnTo>
+                    <a:pt x="171" y="105"/>
+                  </a:lnTo>
+                  <a:cubicBezTo>
+                    <a:pt x="171" y="105"/>
+                    <a:pt x="175" y="105"/>
+                    <a:pt x="175" y="102"/>
+                  </a:cubicBezTo>
+                  <a:cubicBezTo>
+                    <a:pt x="214" y="59"/>
+                    <a:pt x="270" y="36"/>
+                    <a:pt x="326" y="36"/>
+                  </a:cubicBezTo>
+                  <a:cubicBezTo>
+                    <a:pt x="384" y="36"/>
+                    <a:pt x="435" y="64"/>
+                    <a:pt x="471" y="107"/>
+                  </a:cubicBezTo>
+                  <a:cubicBezTo>
+                    <a:pt x="480" y="115"/>
+                    <a:pt x="491" y="115"/>
+                    <a:pt x="496" y="107"/>
+                  </a:cubicBezTo>
+                  <a:cubicBezTo>
+                    <a:pt x="499" y="104"/>
+                    <a:pt x="501" y="99"/>
+                    <a:pt x="501" y="94"/>
+                  </a:cubicBezTo>
+                  <a:cubicBezTo>
+                    <a:pt x="501" y="89"/>
+                    <a:pt x="501" y="86"/>
+                    <a:pt x="499" y="81"/>
+                  </a:cubicBezTo>
+                  <a:close/>
+                </a:path>
+              </a:pathLst>
+            </a:custGeom>
+            <a:solidFill>
+              <a:srgbClr val="0070C0"/>
+            </a:solidFill>
+            <a:ln w="0">
+              <a:noFill/>
+              <a:prstDash val="solid"/>
+              <a:round/>
+              <a:headEnd/>
+              <a:tailEnd/>
+            </a:ln>
+          </p:spPr>
+          <p:txBody>
+            <a:bodyPr vert="horz" wrap="square" lIns="87880" tIns="43940" rIns="87880" bIns="43940" numCol="1" anchor="t" anchorCtr="0" compatLnSpc="1">
+              <a:prstTxWarp prst="textNoShape">
+                <a:avLst/>
+              </a:prstTxWarp>
+            </a:bodyPr>
+            <a:lstStyle/>
+            <a:p>
+              <a:pPr marL="0" marR="0" lvl="0" indent="0" algn="l" defTabSz="585804" rtl="0" eaLnBrk="1" fontAlgn="auto" latinLnBrk="0" hangingPunct="1">
+                <a:lnSpc>
+                  <a:spcPct val="100000"/>
+                </a:lnSpc>
+                <a:spcBef>
+                  <a:spcPts val="0"/>
+                </a:spcBef>
+                <a:spcAft>
+                  <a:spcPts val="0"/>
+                </a:spcAft>
+                <a:buClrTx/>
+                <a:buSzTx/>
+                <a:buFontTx/>
+                <a:buNone/>
+                <a:tabLst/>
+                <a:defRPr/>
+              </a:pPr>
+              <a:endParaRPr kumimoji="0" lang="en-US" sz="1730" b="0" i="0" u="none" strike="noStrike" kern="0" cap="none" spc="0" normalizeH="0" baseline="0" noProof="0">
+                <a:ln>
+                  <a:noFill/>
+                </a:ln>
+                <a:solidFill>
+                  <a:prstClr val="black"/>
+                </a:solidFill>
+                <a:effectLst/>
+                <a:uLnTx/>
+                <a:uFillTx/>
+                <a:latin typeface="Segoe UI"/>
+                <a:ea typeface="+mn-ea"/>
+                <a:cs typeface="+mn-cs"/>
+              </a:endParaRPr>
+            </a:p>
+          </p:txBody>
+        </p:sp>
+      </p:grpSp>
+      <p:sp>
+        <p:nvSpPr>
+          <p:cNvPr id="21" name="Rectangle 240">
+            <a:extLst>
+              <a:ext uri="{FF2B5EF4-FFF2-40B4-BE49-F238E27FC236}">
+                <a16:creationId xmlns:a16="http://schemas.microsoft.com/office/drawing/2014/main" id="{7BC060FD-573F-4A72-90E3-26BB5E369B55}"/>
+              </a:ext>
+            </a:extLst>
+          </p:cNvPr>
+          <p:cNvSpPr>
+            <a:spLocks noChangeArrowheads="1"/>
+          </p:cNvSpPr>
+          <p:nvPr/>
+        </p:nvSpPr>
+        <p:spPr bwMode="auto">
+          <a:xfrm>
+            <a:off x="7926723" y="4144127"/>
+            <a:ext cx="992145" cy="162687"/>
+          </a:xfrm>
+          <a:prstGeom prst="rect">
+            <a:avLst/>
+          </a:prstGeom>
+          <a:noFill/>
+          <a:ln>
+            <a:noFill/>
+          </a:ln>
+          <a:extLst>
+            <a:ext uri="{909E8E84-426E-40DD-AFC4-6F175D3DCCD1}">
+              <a14:hiddenFill xmlns:a14="http://schemas.microsoft.com/office/drawing/2010/main">
+                <a:solidFill>
+                  <a:srgbClr val="FFFFFF"/>
+                </a:solidFill>
+              </a14:hiddenFill>
+            </a:ext>
+            <a:ext uri="{91240B29-F687-4F45-9708-019B960494DF}">
+              <a14:hiddenLine xmlns:a14="http://schemas.microsoft.com/office/drawing/2010/main" w="9525">
+                <a:solidFill>
+                  <a:srgbClr val="000000"/>
+                </a:solidFill>
+                <a:miter lim="800000"/>
+                <a:headEnd/>
+                <a:tailEnd/>
+              </a14:hiddenLine>
+            </a:ext>
+          </a:extLst>
+        </p:spPr>
+        <p:txBody>
+          <a:bodyPr vert="horz" wrap="none" lIns="0" tIns="0" rIns="0" bIns="0" numCol="1" anchor="t" anchorCtr="0" compatLnSpc="1">
+            <a:prstTxWarp prst="textNoShape">
+              <a:avLst/>
+            </a:prstTxWarp>
+            <a:spAutoFit/>
+          </a:bodyPr>
+          <a:lstStyle>
+            <a:lvl1pPr eaLnBrk="0" fontAlgn="base" hangingPunct="0">
+              <a:spcBef>
+                <a:spcPct val="0"/>
+              </a:spcBef>
+              <a:spcAft>
+                <a:spcPct val="0"/>
+              </a:spcAft>
+              <a:defRPr>
+                <a:solidFill>
+                  <a:schemeClr val="tx1"/>
+                </a:solidFill>
+                <a:latin typeface="Arial" panose="020B0604020202020204" pitchFamily="34" charset="0"/>
+              </a:defRPr>
+            </a:lvl1pPr>
+            <a:lvl2pPr eaLnBrk="0" fontAlgn="base" hangingPunct="0">
+              <a:spcBef>
+                <a:spcPct val="0"/>
+              </a:spcBef>
+              <a:spcAft>
+                <a:spcPct val="0"/>
+              </a:spcAft>
+              <a:defRPr>
+                <a:solidFill>
+                  <a:schemeClr val="tx1"/>
+                </a:solidFill>
+                <a:latin typeface="Arial" panose="020B0604020202020204" pitchFamily="34" charset="0"/>
+              </a:defRPr>
+            </a:lvl2pPr>
+            <a:lvl3pPr eaLnBrk="0" fontAlgn="base" hangingPunct="0">
+              <a:spcBef>
+                <a:spcPct val="0"/>
+              </a:spcBef>
+              <a:spcAft>
+                <a:spcPct val="0"/>
+              </a:spcAft>
+              <a:defRPr>
+                <a:solidFill>
+                  <a:schemeClr val="tx1"/>
+                </a:solidFill>
+                <a:latin typeface="Arial" panose="020B0604020202020204" pitchFamily="34" charset="0"/>
+              </a:defRPr>
+            </a:lvl3pPr>
+            <a:lvl4pPr eaLnBrk="0" fontAlgn="base" hangingPunct="0">
+              <a:spcBef>
+                <a:spcPct val="0"/>
+              </a:spcBef>
+              <a:spcAft>
+                <a:spcPct val="0"/>
+              </a:spcAft>
+              <a:defRPr>
+                <a:solidFill>
+                  <a:schemeClr val="tx1"/>
+                </a:solidFill>
+                <a:latin typeface="Arial" panose="020B0604020202020204" pitchFamily="34" charset="0"/>
+              </a:defRPr>
+            </a:lvl4pPr>
+            <a:lvl5pPr eaLnBrk="0" fontAlgn="base" hangingPunct="0">
+              <a:spcBef>
+                <a:spcPct val="0"/>
+              </a:spcBef>
+              <a:spcAft>
+                <a:spcPct val="0"/>
+              </a:spcAft>
+              <a:defRPr>
+                <a:solidFill>
+                  <a:schemeClr val="tx1"/>
+                </a:solidFill>
+                <a:latin typeface="Arial" panose="020B0604020202020204" pitchFamily="34" charset="0"/>
+              </a:defRPr>
+            </a:lvl5pPr>
+            <a:lvl6pPr eaLnBrk="0" fontAlgn="base" hangingPunct="0">
+              <a:spcBef>
+                <a:spcPct val="0"/>
+              </a:spcBef>
+              <a:spcAft>
+                <a:spcPct val="0"/>
+              </a:spcAft>
+              <a:defRPr>
+                <a:solidFill>
+                  <a:schemeClr val="tx1"/>
+                </a:solidFill>
+                <a:latin typeface="Arial" panose="020B0604020202020204" pitchFamily="34" charset="0"/>
+              </a:defRPr>
+            </a:lvl6pPr>
+            <a:lvl7pPr eaLnBrk="0" fontAlgn="base" hangingPunct="0">
+              <a:spcBef>
+                <a:spcPct val="0"/>
+              </a:spcBef>
+              <a:spcAft>
+                <a:spcPct val="0"/>
+              </a:spcAft>
+              <a:defRPr>
+                <a:solidFill>
+                  <a:schemeClr val="tx1"/>
+                </a:solidFill>
+                <a:latin typeface="Arial" panose="020B0604020202020204" pitchFamily="34" charset="0"/>
+              </a:defRPr>
+            </a:lvl7pPr>
+            <a:lvl8pPr eaLnBrk="0" fontAlgn="base" hangingPunct="0">
+              <a:spcBef>
+                <a:spcPct val="0"/>
+              </a:spcBef>
+              <a:spcAft>
+                <a:spcPct val="0"/>
+              </a:spcAft>
+              <a:defRPr>
+                <a:solidFill>
+                  <a:schemeClr val="tx1"/>
+                </a:solidFill>
+                <a:latin typeface="Arial" panose="020B0604020202020204" pitchFamily="34" charset="0"/>
+              </a:defRPr>
+            </a:lvl8pPr>
+            <a:lvl9pPr eaLnBrk="0" fontAlgn="base" hangingPunct="0">
+              <a:spcBef>
+                <a:spcPct val="0"/>
+              </a:spcBef>
+              <a:spcAft>
+                <a:spcPct val="0"/>
+              </a:spcAft>
+              <a:defRPr>
+                <a:solidFill>
+                  <a:schemeClr val="tx1"/>
+                </a:solidFill>
+                <a:latin typeface="Arial" panose="020B0604020202020204" pitchFamily="34" charset="0"/>
+              </a:defRPr>
+            </a:lvl9pPr>
+          </a:lstStyle>
+          <a:p>
+            <a:pPr marL="0" marR="0" lvl="0" indent="0" algn="l" defTabSz="585804" rtl="0" eaLnBrk="0" fontAlgn="base" latinLnBrk="0" hangingPunct="0">
+              <a:lnSpc>
+                <a:spcPct val="100000"/>
+              </a:lnSpc>
+              <a:spcBef>
+                <a:spcPct val="0"/>
+              </a:spcBef>
+              <a:spcAft>
+                <a:spcPct val="0"/>
+              </a:spcAft>
+              <a:buClrTx/>
+              <a:buSzTx/>
+              <a:buFontTx/>
+              <a:buNone/>
+              <a:tabLst/>
+              <a:defRPr/>
+            </a:pPr>
+            <a:r>
+              <a:rPr kumimoji="0" lang="en-US" altLang="en-US" sz="1057" b="0" i="0" u="none" strike="noStrike" kern="0" cap="none" spc="0" normalizeH="0" baseline="0" noProof="0" dirty="0">
+                <a:ln>
+                  <a:noFill/>
+                </a:ln>
+                <a:solidFill>
+                  <a:srgbClr val="0078D7"/>
+                </a:solidFill>
+                <a:effectLst/>
+                <a:uLnTx/>
+                <a:uFillTx/>
+                <a:latin typeface="Segoe UI" panose="020B0502040204020203" pitchFamily="34" charset="0"/>
+                <a:ea typeface="+mn-ea"/>
+                <a:cs typeface="+mn-cs"/>
+              </a:rPr>
+              <a:t>Stream Analytics</a:t>
+            </a:r>
+            <a:endParaRPr kumimoji="0" lang="en-US" altLang="en-US" sz="1730" b="0" i="0" u="none" strike="noStrike" kern="0" cap="none" spc="0" normalizeH="0" baseline="0" noProof="0" dirty="0">
+              <a:ln>
+                <a:noFill/>
+              </a:ln>
+              <a:solidFill>
+                <a:prstClr val="black"/>
+              </a:solidFill>
+              <a:effectLst/>
+              <a:uLnTx/>
+              <a:uFillTx/>
+              <a:latin typeface="Arial" panose="020B0604020202020204" pitchFamily="34" charset="0"/>
+              <a:ea typeface="+mn-ea"/>
+              <a:cs typeface="+mn-cs"/>
+            </a:endParaRPr>
+          </a:p>
+        </p:txBody>
+      </p:sp>
+      <p:sp>
+        <p:nvSpPr>
+          <p:cNvPr id="22" name="Rectangle 260">
+            <a:extLst>
+              <a:ext uri="{FF2B5EF4-FFF2-40B4-BE49-F238E27FC236}">
+                <a16:creationId xmlns:a16="http://schemas.microsoft.com/office/drawing/2014/main" id="{99D44169-6CB1-4270-A129-C82FB1899BFB}"/>
+              </a:ext>
+            </a:extLst>
+          </p:cNvPr>
+          <p:cNvSpPr>
+            <a:spLocks noChangeArrowheads="1"/>
+          </p:cNvSpPr>
+          <p:nvPr/>
+        </p:nvSpPr>
+        <p:spPr bwMode="auto">
+          <a:xfrm>
+            <a:off x="6615238" y="4144127"/>
+            <a:ext cx="476045" cy="162687"/>
+          </a:xfrm>
+          <a:prstGeom prst="rect">
+            <a:avLst/>
+          </a:prstGeom>
+          <a:noFill/>
+          <a:ln>
+            <a:noFill/>
+          </a:ln>
+          <a:extLst>
+            <a:ext uri="{909E8E84-426E-40DD-AFC4-6F175D3DCCD1}">
+              <a14:hiddenFill xmlns:a14="http://schemas.microsoft.com/office/drawing/2010/main">
+                <a:solidFill>
+                  <a:srgbClr val="FFFFFF"/>
+                </a:solidFill>
+              </a14:hiddenFill>
+            </a:ext>
+            <a:ext uri="{91240B29-F687-4F45-9708-019B960494DF}">
+              <a14:hiddenLine xmlns:a14="http://schemas.microsoft.com/office/drawing/2010/main" w="9525">
+                <a:solidFill>
+                  <a:srgbClr val="000000"/>
+                </a:solidFill>
+                <a:miter lim="800000"/>
+                <a:headEnd/>
+                <a:tailEnd/>
+              </a14:hiddenLine>
+            </a:ext>
+          </a:extLst>
+        </p:spPr>
+        <p:txBody>
+          <a:bodyPr vert="horz" wrap="none" lIns="0" tIns="0" rIns="0" bIns="0" numCol="1" anchor="t" anchorCtr="0" compatLnSpc="1">
+            <a:prstTxWarp prst="textNoShape">
+              <a:avLst/>
+            </a:prstTxWarp>
+            <a:spAutoFit/>
+          </a:bodyPr>
+          <a:lstStyle>
+            <a:lvl1pPr eaLnBrk="0" fontAlgn="base" hangingPunct="0">
+              <a:spcBef>
+                <a:spcPct val="0"/>
+              </a:spcBef>
+              <a:spcAft>
+                <a:spcPct val="0"/>
+              </a:spcAft>
+              <a:defRPr>
+                <a:solidFill>
+                  <a:schemeClr val="tx1"/>
+                </a:solidFill>
+                <a:latin typeface="Arial" panose="020B0604020202020204" pitchFamily="34" charset="0"/>
+              </a:defRPr>
+            </a:lvl1pPr>
+            <a:lvl2pPr eaLnBrk="0" fontAlgn="base" hangingPunct="0">
+              <a:spcBef>
+                <a:spcPct val="0"/>
+              </a:spcBef>
+              <a:spcAft>
+                <a:spcPct val="0"/>
+              </a:spcAft>
+              <a:defRPr>
+                <a:solidFill>
+                  <a:schemeClr val="tx1"/>
+                </a:solidFill>
+                <a:latin typeface="Arial" panose="020B0604020202020204" pitchFamily="34" charset="0"/>
+              </a:defRPr>
+            </a:lvl2pPr>
+            <a:lvl3pPr eaLnBrk="0" fontAlgn="base" hangingPunct="0">
+              <a:spcBef>
+                <a:spcPct val="0"/>
+              </a:spcBef>
+              <a:spcAft>
+                <a:spcPct val="0"/>
+              </a:spcAft>
+              <a:defRPr>
+                <a:solidFill>
+                  <a:schemeClr val="tx1"/>
+                </a:solidFill>
+                <a:latin typeface="Arial" panose="020B0604020202020204" pitchFamily="34" charset="0"/>
+              </a:defRPr>
+            </a:lvl3pPr>
+            <a:lvl4pPr eaLnBrk="0" fontAlgn="base" hangingPunct="0">
+              <a:spcBef>
+                <a:spcPct val="0"/>
+              </a:spcBef>
+              <a:spcAft>
+                <a:spcPct val="0"/>
+              </a:spcAft>
+              <a:defRPr>
+                <a:solidFill>
+                  <a:schemeClr val="tx1"/>
+                </a:solidFill>
+                <a:latin typeface="Arial" panose="020B0604020202020204" pitchFamily="34" charset="0"/>
+              </a:defRPr>
+            </a:lvl4pPr>
+            <a:lvl5pPr eaLnBrk="0" fontAlgn="base" hangingPunct="0">
+              <a:spcBef>
+                <a:spcPct val="0"/>
+              </a:spcBef>
+              <a:spcAft>
+                <a:spcPct val="0"/>
+              </a:spcAft>
+              <a:defRPr>
+                <a:solidFill>
+                  <a:schemeClr val="tx1"/>
+                </a:solidFill>
+                <a:latin typeface="Arial" panose="020B0604020202020204" pitchFamily="34" charset="0"/>
+              </a:defRPr>
+            </a:lvl5pPr>
+            <a:lvl6pPr eaLnBrk="0" fontAlgn="base" hangingPunct="0">
+              <a:spcBef>
+                <a:spcPct val="0"/>
+              </a:spcBef>
+              <a:spcAft>
+                <a:spcPct val="0"/>
+              </a:spcAft>
+              <a:defRPr>
+                <a:solidFill>
+                  <a:schemeClr val="tx1"/>
+                </a:solidFill>
+                <a:latin typeface="Arial" panose="020B0604020202020204" pitchFamily="34" charset="0"/>
+              </a:defRPr>
+            </a:lvl6pPr>
+            <a:lvl7pPr eaLnBrk="0" fontAlgn="base" hangingPunct="0">
+              <a:spcBef>
+                <a:spcPct val="0"/>
+              </a:spcBef>
+              <a:spcAft>
+                <a:spcPct val="0"/>
+              </a:spcAft>
+              <a:defRPr>
+                <a:solidFill>
+                  <a:schemeClr val="tx1"/>
+                </a:solidFill>
+                <a:latin typeface="Arial" panose="020B0604020202020204" pitchFamily="34" charset="0"/>
+              </a:defRPr>
+            </a:lvl7pPr>
+            <a:lvl8pPr eaLnBrk="0" fontAlgn="base" hangingPunct="0">
+              <a:spcBef>
+                <a:spcPct val="0"/>
+              </a:spcBef>
+              <a:spcAft>
+                <a:spcPct val="0"/>
+              </a:spcAft>
+              <a:defRPr>
+                <a:solidFill>
+                  <a:schemeClr val="tx1"/>
+                </a:solidFill>
+                <a:latin typeface="Arial" panose="020B0604020202020204" pitchFamily="34" charset="0"/>
+              </a:defRPr>
+            </a:lvl8pPr>
+            <a:lvl9pPr eaLnBrk="0" fontAlgn="base" hangingPunct="0">
+              <a:spcBef>
+                <a:spcPct val="0"/>
+              </a:spcBef>
+              <a:spcAft>
+                <a:spcPct val="0"/>
+              </a:spcAft>
+              <a:defRPr>
+                <a:solidFill>
+                  <a:schemeClr val="tx1"/>
+                </a:solidFill>
+                <a:latin typeface="Arial" panose="020B0604020202020204" pitchFamily="34" charset="0"/>
+              </a:defRPr>
+            </a:lvl9pPr>
+          </a:lstStyle>
+          <a:p>
+            <a:pPr marL="0" marR="0" lvl="0" indent="0" algn="l" defTabSz="585804" rtl="0" eaLnBrk="0" fontAlgn="base" latinLnBrk="0" hangingPunct="0">
+              <a:lnSpc>
+                <a:spcPct val="100000"/>
+              </a:lnSpc>
+              <a:spcBef>
+                <a:spcPct val="0"/>
+              </a:spcBef>
+              <a:spcAft>
+                <a:spcPct val="0"/>
+              </a:spcAft>
+              <a:buClrTx/>
+              <a:buSzTx/>
+              <a:buFontTx/>
+              <a:buNone/>
+              <a:tabLst/>
+              <a:defRPr/>
+            </a:pPr>
+            <a:r>
+              <a:rPr kumimoji="0" lang="en-US" altLang="en-US" sz="1057" b="0" i="0" u="none" strike="noStrike" kern="0" cap="none" spc="0" normalizeH="0" baseline="0" noProof="0">
+                <a:ln>
+                  <a:noFill/>
+                </a:ln>
+                <a:solidFill>
+                  <a:srgbClr val="0078D7"/>
+                </a:solidFill>
+                <a:effectLst/>
+                <a:uLnTx/>
+                <a:uFillTx/>
+                <a:latin typeface="Segoe UI" panose="020B0502040204020203" pitchFamily="34" charset="0"/>
+                <a:ea typeface="+mn-ea"/>
+                <a:cs typeface="+mn-cs"/>
+              </a:rPr>
+              <a:t>IoT Hub</a:t>
+            </a:r>
+            <a:endParaRPr kumimoji="0" lang="en-US" altLang="en-US" sz="1730" b="0" i="0" u="none" strike="noStrike" kern="0" cap="none" spc="0" normalizeH="0" baseline="0" noProof="0">
+              <a:ln>
+                <a:noFill/>
+              </a:ln>
+              <a:solidFill>
+                <a:prstClr val="black"/>
+              </a:solidFill>
+              <a:effectLst/>
+              <a:uLnTx/>
+              <a:uFillTx/>
+              <a:latin typeface="Arial" panose="020B0604020202020204" pitchFamily="34" charset="0"/>
+              <a:ea typeface="+mn-ea"/>
+              <a:cs typeface="+mn-cs"/>
+            </a:endParaRPr>
+          </a:p>
+        </p:txBody>
+      </p:sp>
+      <p:sp>
+        <p:nvSpPr>
+          <p:cNvPr id="23" name="Rectangle 22">
+            <a:extLst>
+              <a:ext uri="{FF2B5EF4-FFF2-40B4-BE49-F238E27FC236}">
+                <a16:creationId xmlns:a16="http://schemas.microsoft.com/office/drawing/2014/main" id="{3AF68202-2C57-4AA4-9793-DD6E0F68FCBD}"/>
+              </a:ext>
+            </a:extLst>
+          </p:cNvPr>
+          <p:cNvSpPr/>
+          <p:nvPr/>
+        </p:nvSpPr>
+        <p:spPr>
+          <a:xfrm>
+            <a:off x="880741" y="1846398"/>
+            <a:ext cx="4257136" cy="2686333"/>
+          </a:xfrm>
+          <a:prstGeom prst="rect">
+            <a:avLst/>
+          </a:prstGeom>
+          <a:noFill/>
+        </p:spPr>
+        <p:style>
+          <a:lnRef idx="2">
+            <a:schemeClr val="accent1">
+              <a:shade val="50000"/>
+            </a:schemeClr>
+          </a:lnRef>
+          <a:fillRef idx="1">
+            <a:schemeClr val="accent1"/>
+          </a:fillRef>
+          <a:effectRef idx="0">
+            <a:schemeClr val="accent1"/>
+          </a:effectRef>
+          <a:fontRef idx="minor">
+            <a:schemeClr val="lt1"/>
+          </a:fontRef>
+        </p:style>
+        <p:txBody>
+          <a:bodyPr rtlCol="0" anchor="ctr"/>
+          <a:lstStyle/>
+          <a:p>
+            <a:pPr algn="ctr"/>
+            <a:endParaRPr lang="en-US" dirty="0">
+              <a:solidFill>
+                <a:schemeClr val="tx1"/>
+              </a:solidFill>
+            </a:endParaRPr>
+          </a:p>
+          <a:p>
+            <a:pPr algn="ctr"/>
+            <a:endParaRPr lang="en-US" dirty="0">
+              <a:solidFill>
+                <a:schemeClr val="tx1"/>
+              </a:solidFill>
+            </a:endParaRPr>
+          </a:p>
+          <a:p>
+            <a:pPr algn="ctr"/>
+            <a:endParaRPr lang="en-US" dirty="0">
+              <a:solidFill>
+                <a:schemeClr val="tx1"/>
+              </a:solidFill>
+            </a:endParaRPr>
+          </a:p>
+          <a:p>
+            <a:pPr algn="ctr"/>
+            <a:endParaRPr lang="en-US" dirty="0">
+              <a:solidFill>
+                <a:schemeClr val="tx1"/>
+              </a:solidFill>
+            </a:endParaRPr>
+          </a:p>
+          <a:p>
+            <a:pPr algn="ctr"/>
+            <a:endParaRPr lang="en-US" dirty="0">
+              <a:solidFill>
+                <a:schemeClr val="tx1"/>
+              </a:solidFill>
+            </a:endParaRPr>
+          </a:p>
+          <a:p>
+            <a:pPr algn="ctr"/>
+            <a:endParaRPr lang="en-US" dirty="0">
+              <a:solidFill>
+                <a:schemeClr val="tx1"/>
+              </a:solidFill>
+            </a:endParaRPr>
+          </a:p>
+          <a:p>
+            <a:pPr algn="ctr"/>
+            <a:endParaRPr lang="en-US" dirty="0">
+              <a:solidFill>
+                <a:schemeClr val="tx1"/>
+              </a:solidFill>
+            </a:endParaRPr>
+          </a:p>
+          <a:p>
+            <a:pPr algn="ctr"/>
+            <a:endParaRPr lang="en-US" dirty="0">
+              <a:solidFill>
+                <a:schemeClr val="tx1"/>
+              </a:solidFill>
+            </a:endParaRPr>
+          </a:p>
+          <a:p>
+            <a:pPr algn="ctr"/>
+            <a:endParaRPr lang="en-US" dirty="0">
+              <a:solidFill>
+                <a:schemeClr val="tx1"/>
+              </a:solidFill>
+            </a:endParaRPr>
+          </a:p>
+          <a:p>
+            <a:pPr algn="ctr"/>
+            <a:endParaRPr lang="en-US" dirty="0">
+              <a:solidFill>
+                <a:schemeClr val="tx1"/>
+              </a:solidFill>
+            </a:endParaRPr>
+          </a:p>
+          <a:p>
+            <a:pPr algn="ctr"/>
+            <a:endParaRPr lang="en-US" dirty="0">
+              <a:solidFill>
+                <a:schemeClr val="tx1"/>
+              </a:solidFill>
+            </a:endParaRPr>
+          </a:p>
+          <a:p>
+            <a:pPr algn="ctr"/>
+            <a:endParaRPr lang="en-US" dirty="0">
+              <a:solidFill>
+                <a:schemeClr val="tx1"/>
+              </a:solidFill>
+            </a:endParaRPr>
+          </a:p>
+          <a:p>
+            <a:pPr algn="ctr"/>
+            <a:endParaRPr lang="en-US" dirty="0">
+              <a:solidFill>
+                <a:schemeClr val="tx1"/>
+              </a:solidFill>
+            </a:endParaRPr>
+          </a:p>
+          <a:p>
+            <a:pPr algn="ctr"/>
+            <a:r>
+              <a:rPr lang="en-US" dirty="0">
+                <a:solidFill>
+                  <a:schemeClr val="tx1"/>
+                </a:solidFill>
+              </a:rPr>
+              <a:t>Edge device</a:t>
+            </a:r>
+          </a:p>
+        </p:txBody>
+      </p:sp>
+      <p:sp>
+        <p:nvSpPr>
+          <p:cNvPr id="24" name="Rectangle 23">
+            <a:extLst>
+              <a:ext uri="{FF2B5EF4-FFF2-40B4-BE49-F238E27FC236}">
+                <a16:creationId xmlns:a16="http://schemas.microsoft.com/office/drawing/2014/main" id="{525CBDDE-B553-4872-8ACB-A908B46AE5D8}"/>
+              </a:ext>
+            </a:extLst>
+          </p:cNvPr>
+          <p:cNvSpPr/>
+          <p:nvPr/>
+        </p:nvSpPr>
+        <p:spPr>
+          <a:xfrm>
+            <a:off x="987327" y="2580515"/>
+            <a:ext cx="1110744" cy="1598798"/>
+          </a:xfrm>
+          <a:prstGeom prst="rect">
+            <a:avLst/>
+          </a:prstGeom>
+        </p:spPr>
+        <p:style>
+          <a:lnRef idx="2">
+            <a:schemeClr val="accent1">
+              <a:shade val="50000"/>
+            </a:schemeClr>
+          </a:lnRef>
+          <a:fillRef idx="1">
+            <a:schemeClr val="accent1"/>
+          </a:fillRef>
+          <a:effectRef idx="0">
+            <a:schemeClr val="accent1"/>
+          </a:effectRef>
+          <a:fontRef idx="minor">
+            <a:schemeClr val="lt1"/>
+          </a:fontRef>
+        </p:style>
+        <p:txBody>
+          <a:bodyPr rtlCol="0" anchor="ctr"/>
+          <a:lstStyle/>
+          <a:p>
+            <a:pPr algn="ctr"/>
+            <a:r>
+              <a:rPr lang="en-US" dirty="0"/>
+              <a:t>Inject</a:t>
+            </a:r>
+          </a:p>
+          <a:p>
+            <a:pPr algn="ctr"/>
+            <a:r>
+              <a:rPr lang="en-US" dirty="0"/>
+              <a:t>Message</a:t>
+            </a:r>
+          </a:p>
+          <a:p>
+            <a:pPr algn="ctr"/>
+            <a:r>
+              <a:rPr lang="en-US" dirty="0"/>
+              <a:t>module</a:t>
+            </a:r>
+          </a:p>
+        </p:txBody>
+      </p:sp>
+      <p:sp>
+        <p:nvSpPr>
+          <p:cNvPr id="25" name="Rectangle 24">
+            <a:extLst>
+              <a:ext uri="{FF2B5EF4-FFF2-40B4-BE49-F238E27FC236}">
+                <a16:creationId xmlns:a16="http://schemas.microsoft.com/office/drawing/2014/main" id="{C109D44A-C16A-4776-BA33-0B3BDA550405}"/>
+              </a:ext>
+            </a:extLst>
+          </p:cNvPr>
+          <p:cNvSpPr/>
+          <p:nvPr/>
+        </p:nvSpPr>
+        <p:spPr>
+          <a:xfrm>
+            <a:off x="2406610" y="2580515"/>
+            <a:ext cx="1110744" cy="1598798"/>
+          </a:xfrm>
+          <a:prstGeom prst="rect">
+            <a:avLst/>
+          </a:prstGeom>
+        </p:spPr>
+        <p:style>
+          <a:lnRef idx="2">
+            <a:schemeClr val="accent1">
+              <a:shade val="50000"/>
+            </a:schemeClr>
+          </a:lnRef>
+          <a:fillRef idx="1">
+            <a:schemeClr val="accent1"/>
+          </a:fillRef>
+          <a:effectRef idx="0">
+            <a:schemeClr val="accent1"/>
+          </a:effectRef>
+          <a:fontRef idx="minor">
+            <a:schemeClr val="lt1"/>
+          </a:fontRef>
+        </p:style>
+        <p:txBody>
+          <a:bodyPr rtlCol="0" anchor="ctr"/>
+          <a:lstStyle/>
+          <a:p>
+            <a:pPr algn="ctr"/>
+            <a:r>
+              <a:rPr lang="en-US" dirty="0" err="1"/>
+              <a:t>ZipTest</a:t>
+            </a:r>
+            <a:endParaRPr lang="en-US" dirty="0"/>
+          </a:p>
+          <a:p>
+            <a:pPr algn="ctr"/>
+            <a:r>
+              <a:rPr lang="en-US" dirty="0"/>
+              <a:t>Module</a:t>
+            </a:r>
+          </a:p>
+        </p:txBody>
+      </p:sp>
+      <p:sp>
+        <p:nvSpPr>
+          <p:cNvPr id="26" name="Rectangle 25">
+            <a:extLst>
+              <a:ext uri="{FF2B5EF4-FFF2-40B4-BE49-F238E27FC236}">
+                <a16:creationId xmlns:a16="http://schemas.microsoft.com/office/drawing/2014/main" id="{942AD679-F262-4CFE-8039-620DF157AF25}"/>
+              </a:ext>
+            </a:extLst>
+          </p:cNvPr>
+          <p:cNvSpPr/>
+          <p:nvPr/>
+        </p:nvSpPr>
+        <p:spPr>
+          <a:xfrm>
+            <a:off x="3819570" y="2182424"/>
+            <a:ext cx="1110744" cy="1598798"/>
+          </a:xfrm>
+          <a:prstGeom prst="rect">
+            <a:avLst/>
+          </a:prstGeom>
+        </p:spPr>
+        <p:style>
+          <a:lnRef idx="2">
+            <a:schemeClr val="accent1">
+              <a:shade val="50000"/>
+            </a:schemeClr>
+          </a:lnRef>
+          <a:fillRef idx="1">
+            <a:schemeClr val="accent1"/>
+          </a:fillRef>
+          <a:effectRef idx="0">
+            <a:schemeClr val="accent1"/>
+          </a:effectRef>
+          <a:fontRef idx="minor">
+            <a:schemeClr val="lt1"/>
+          </a:fontRef>
+        </p:style>
+        <p:txBody>
+          <a:bodyPr rtlCol="0" anchor="ctr"/>
+          <a:lstStyle/>
+          <a:p>
+            <a:pPr algn="ctr"/>
+            <a:r>
+              <a:rPr lang="en-US" dirty="0"/>
+              <a:t>Echo</a:t>
+            </a:r>
+          </a:p>
+          <a:p>
+            <a:pPr algn="ctr"/>
+            <a:r>
+              <a:rPr lang="en-US" dirty="0"/>
+              <a:t>Module</a:t>
+            </a:r>
+          </a:p>
+        </p:txBody>
+      </p:sp>
+      <p:cxnSp>
+        <p:nvCxnSpPr>
+          <p:cNvPr id="27" name="Straight Arrow Connector 26">
+            <a:extLst>
+              <a:ext uri="{FF2B5EF4-FFF2-40B4-BE49-F238E27FC236}">
+                <a16:creationId xmlns:a16="http://schemas.microsoft.com/office/drawing/2014/main" id="{B0057B0B-B7F8-47F5-A3B4-D8756A2825BC}"/>
+              </a:ext>
+            </a:extLst>
+          </p:cNvPr>
+          <p:cNvCxnSpPr/>
+          <p:nvPr/>
+        </p:nvCxnSpPr>
+        <p:spPr>
+          <a:xfrm>
+            <a:off x="2104394" y="3978295"/>
+            <a:ext cx="302216" cy="0"/>
+          </a:xfrm>
+          <a:prstGeom prst="straightConnector1">
+            <a:avLst/>
+          </a:prstGeom>
+          <a:ln w="38100">
+            <a:tailEnd type="triangle"/>
+          </a:ln>
+        </p:spPr>
+        <p:style>
+          <a:lnRef idx="1">
+            <a:schemeClr val="accent1"/>
+          </a:lnRef>
+          <a:fillRef idx="0">
+            <a:schemeClr val="accent1"/>
+          </a:fillRef>
+          <a:effectRef idx="0">
+            <a:schemeClr val="accent1"/>
+          </a:effectRef>
+          <a:fontRef idx="minor">
+            <a:schemeClr val="tx1"/>
+          </a:fontRef>
+        </p:style>
+      </p:cxnSp>
+      <p:cxnSp>
+        <p:nvCxnSpPr>
+          <p:cNvPr id="28" name="Straight Arrow Connector 27">
+            <a:extLst>
+              <a:ext uri="{FF2B5EF4-FFF2-40B4-BE49-F238E27FC236}">
+                <a16:creationId xmlns:a16="http://schemas.microsoft.com/office/drawing/2014/main" id="{811559BB-DAF3-48B7-9CB8-42AED1093EE6}"/>
+              </a:ext>
+            </a:extLst>
+          </p:cNvPr>
+          <p:cNvCxnSpPr/>
+          <p:nvPr/>
+        </p:nvCxnSpPr>
+        <p:spPr>
+          <a:xfrm>
+            <a:off x="3517354" y="3041455"/>
+            <a:ext cx="302216" cy="0"/>
+          </a:xfrm>
+          <a:prstGeom prst="straightConnector1">
+            <a:avLst/>
+          </a:prstGeom>
+          <a:ln w="38100">
+            <a:tailEnd type="triangle"/>
+          </a:ln>
+        </p:spPr>
+        <p:style>
+          <a:lnRef idx="1">
+            <a:schemeClr val="accent2"/>
+          </a:lnRef>
+          <a:fillRef idx="0">
+            <a:schemeClr val="accent2"/>
+          </a:fillRef>
+          <a:effectRef idx="0">
+            <a:schemeClr val="accent2"/>
+          </a:effectRef>
+          <a:fontRef idx="minor">
+            <a:schemeClr val="tx1"/>
+          </a:fontRef>
+        </p:style>
+      </p:cxnSp>
+      <p:cxnSp>
+        <p:nvCxnSpPr>
+          <p:cNvPr id="29" name="Straight Arrow Connector 28">
+            <a:extLst>
+              <a:ext uri="{FF2B5EF4-FFF2-40B4-BE49-F238E27FC236}">
+                <a16:creationId xmlns:a16="http://schemas.microsoft.com/office/drawing/2014/main" id="{B98B4208-D7CA-4A09-9D20-430ABB44F527}"/>
+              </a:ext>
+            </a:extLst>
+          </p:cNvPr>
+          <p:cNvCxnSpPr/>
+          <p:nvPr/>
+        </p:nvCxnSpPr>
+        <p:spPr>
+          <a:xfrm>
+            <a:off x="9081089" y="3945024"/>
+            <a:ext cx="302216" cy="0"/>
+          </a:xfrm>
+          <a:prstGeom prst="straightConnector1">
+            <a:avLst/>
+          </a:prstGeom>
+          <a:ln w="38100">
+            <a:tailEnd type="triangle"/>
+          </a:ln>
+        </p:spPr>
+        <p:style>
+          <a:lnRef idx="1">
+            <a:schemeClr val="accent1"/>
+          </a:lnRef>
+          <a:fillRef idx="0">
+            <a:schemeClr val="accent1"/>
+          </a:fillRef>
+          <a:effectRef idx="0">
+            <a:schemeClr val="accent1"/>
+          </a:effectRef>
+          <a:fontRef idx="minor">
+            <a:schemeClr val="tx1"/>
+          </a:fontRef>
+        </p:style>
+      </p:cxnSp>
+      <p:cxnSp>
+        <p:nvCxnSpPr>
+          <p:cNvPr id="30" name="Straight Arrow Connector 29">
+            <a:extLst>
+              <a:ext uri="{FF2B5EF4-FFF2-40B4-BE49-F238E27FC236}">
+                <a16:creationId xmlns:a16="http://schemas.microsoft.com/office/drawing/2014/main" id="{46BF54C4-AF88-4DFC-866A-3C7EFFDE18B6}"/>
+              </a:ext>
+            </a:extLst>
+          </p:cNvPr>
+          <p:cNvCxnSpPr>
+            <a:cxnSpLocks/>
+          </p:cNvCxnSpPr>
+          <p:nvPr/>
+        </p:nvCxnSpPr>
+        <p:spPr>
+          <a:xfrm flipV="1">
+            <a:off x="7488781" y="3987215"/>
+            <a:ext cx="380859" cy="8699"/>
+          </a:xfrm>
+          <a:prstGeom prst="straightConnector1">
+            <a:avLst/>
+          </a:prstGeom>
+          <a:ln w="38100">
+            <a:tailEnd type="triangle"/>
+          </a:ln>
+        </p:spPr>
+        <p:style>
+          <a:lnRef idx="1">
+            <a:schemeClr val="accent2"/>
+          </a:lnRef>
+          <a:fillRef idx="0">
+            <a:schemeClr val="accent2"/>
+          </a:fillRef>
+          <a:effectRef idx="0">
+            <a:schemeClr val="accent2"/>
+          </a:effectRef>
+          <a:fontRef idx="minor">
+            <a:schemeClr val="tx1"/>
+          </a:fontRef>
+        </p:style>
+      </p:cxnSp>
+      <p:cxnSp>
+        <p:nvCxnSpPr>
+          <p:cNvPr id="31" name="Straight Arrow Connector 30">
+            <a:extLst>
+              <a:ext uri="{FF2B5EF4-FFF2-40B4-BE49-F238E27FC236}">
+                <a16:creationId xmlns:a16="http://schemas.microsoft.com/office/drawing/2014/main" id="{170BAFE3-3911-44F5-8C0E-6449ADB53AE4}"/>
+              </a:ext>
+            </a:extLst>
+          </p:cNvPr>
+          <p:cNvCxnSpPr>
+            <a:cxnSpLocks/>
+          </p:cNvCxnSpPr>
+          <p:nvPr/>
+        </p:nvCxnSpPr>
+        <p:spPr>
+          <a:xfrm>
+            <a:off x="3517354" y="3978295"/>
+            <a:ext cx="2909625" cy="17840"/>
+          </a:xfrm>
+          <a:prstGeom prst="straightConnector1">
+            <a:avLst/>
+          </a:prstGeom>
+          <a:ln w="38100">
+            <a:tailEnd type="triangle"/>
+          </a:ln>
+        </p:spPr>
+        <p:style>
+          <a:lnRef idx="1">
+            <a:schemeClr val="accent2"/>
+          </a:lnRef>
+          <a:fillRef idx="0">
+            <a:schemeClr val="accent2"/>
+          </a:fillRef>
+          <a:effectRef idx="0">
+            <a:schemeClr val="accent2"/>
+          </a:effectRef>
+          <a:fontRef idx="minor">
+            <a:schemeClr val="tx1"/>
+          </a:fontRef>
+        </p:style>
+      </p:cxnSp>
+      <p:cxnSp>
+        <p:nvCxnSpPr>
+          <p:cNvPr id="32" name="Straight Arrow Connector 31">
+            <a:extLst>
+              <a:ext uri="{FF2B5EF4-FFF2-40B4-BE49-F238E27FC236}">
+                <a16:creationId xmlns:a16="http://schemas.microsoft.com/office/drawing/2014/main" id="{05F6BB0F-F2CB-40A0-AE35-F5E757950FBB}"/>
+              </a:ext>
+            </a:extLst>
+          </p:cNvPr>
+          <p:cNvCxnSpPr>
+            <a:cxnSpLocks/>
+            <a:endCxn id="24" idx="0"/>
+          </p:cNvCxnSpPr>
+          <p:nvPr/>
+        </p:nvCxnSpPr>
+        <p:spPr>
+          <a:xfrm>
+            <a:off x="1542699" y="1615627"/>
+            <a:ext cx="0" cy="964888"/>
+          </a:xfrm>
+          <a:prstGeom prst="straightConnector1">
+            <a:avLst/>
+          </a:prstGeom>
+          <a:ln>
+            <a:tailEnd type="triangle"/>
+          </a:ln>
+        </p:spPr>
+        <p:style>
+          <a:lnRef idx="1">
+            <a:schemeClr val="accent1"/>
+          </a:lnRef>
+          <a:fillRef idx="0">
+            <a:schemeClr val="accent1"/>
+          </a:fillRef>
+          <a:effectRef idx="0">
+            <a:schemeClr val="accent1"/>
+          </a:effectRef>
+          <a:fontRef idx="minor">
+            <a:schemeClr val="tx1"/>
+          </a:fontRef>
+        </p:style>
+      </p:cxnSp>
+      <p:sp>
+        <p:nvSpPr>
+          <p:cNvPr id="33" name="TextBox 32">
+            <a:extLst>
+              <a:ext uri="{FF2B5EF4-FFF2-40B4-BE49-F238E27FC236}">
+                <a16:creationId xmlns:a16="http://schemas.microsoft.com/office/drawing/2014/main" id="{FACBEABB-F6AC-4028-B1CB-72D883614A8D}"/>
+              </a:ext>
+            </a:extLst>
+          </p:cNvPr>
+          <p:cNvSpPr txBox="1"/>
+          <p:nvPr/>
+        </p:nvSpPr>
+        <p:spPr>
+          <a:xfrm>
+            <a:off x="793788" y="754774"/>
+            <a:ext cx="2813323" cy="923330"/>
+          </a:xfrm>
+          <a:prstGeom prst="rect">
+            <a:avLst/>
+          </a:prstGeom>
+          <a:noFill/>
+        </p:spPr>
+        <p:txBody>
+          <a:bodyPr wrap="square" rtlCol="0">
+            <a:spAutoFit/>
+          </a:bodyPr>
+          <a:lstStyle/>
+          <a:p>
+            <a:r>
+              <a:rPr lang="en-US" dirty="0"/>
+              <a:t>Test JSON message ingested by Direct method is routed to the next module</a:t>
+            </a:r>
+          </a:p>
+        </p:txBody>
+      </p:sp>
+    </p:spTree>
+    <p:extLst>
+      <p:ext uri="{BB962C8B-B14F-4D97-AF65-F5344CB8AC3E}">
+        <p14:creationId xmlns:p14="http://schemas.microsoft.com/office/powerpoint/2010/main" val="1328715505"/>
+      </p:ext>
+    </p:extLst>
+  </p:cSld>
+  <p:clrMapOvr>
+    <a:masterClrMapping/>
+  </p:clrMapOvr>
+</p:sld>
+</file>
+
 <file path=ppt/theme/theme1.xml><?xml version="1.0" encoding="utf-8"?>
 <a:theme xmlns:a="http://schemas.openxmlformats.org/drawingml/2006/main" name="Office Theme">
   <a:themeElements>
